--- a/Analysis and prediction of breast cancer using ml .pptx
+++ b/Analysis and prediction of breast cancer using ml .pptx
@@ -5,7 +5,7 @@
     <p:sldMasterId id="2147483708" r:id="rId1"/>
   </p:sldMasterIdLst>
   <p:notesMasterIdLst>
-    <p:notesMasterId r:id="rId17"/>
+    <p:notesMasterId r:id="rId27"/>
   </p:notesMasterIdLst>
   <p:sldIdLst>
     <p:sldId id="256" r:id="rId2"/>
@@ -22,7 +22,17 @@
     <p:sldId id="267" r:id="rId13"/>
     <p:sldId id="273" r:id="rId14"/>
     <p:sldId id="274" r:id="rId15"/>
-    <p:sldId id="272" r:id="rId16"/>
+    <p:sldId id="275" r:id="rId16"/>
+    <p:sldId id="276" r:id="rId17"/>
+    <p:sldId id="277" r:id="rId18"/>
+    <p:sldId id="278" r:id="rId19"/>
+    <p:sldId id="279" r:id="rId20"/>
+    <p:sldId id="280" r:id="rId21"/>
+    <p:sldId id="284" r:id="rId22"/>
+    <p:sldId id="281" r:id="rId23"/>
+    <p:sldId id="282" r:id="rId24"/>
+    <p:sldId id="283" r:id="rId25"/>
+    <p:sldId id="272" r:id="rId26"/>
   </p:sldIdLst>
   <p:sldSz cx="12192000" cy="6858000"/>
   <p:notesSz cx="6858000" cy="9144000"/>
@@ -211,7 +221,7 @@
           <a:p>
             <a:fld id="{2FEE9277-4D81-4A79-ABE9-72958688A712}" type="datetimeFigureOut">
               <a:rPr lang="en-IN" smtClean="0"/>
-              <a:t>01-09-2020</a:t>
+              <a:t>04-10-2020</a:t>
             </a:fld>
             <a:endParaRPr lang="en-IN"/>
           </a:p>
@@ -814,7 +824,7 @@
           <a:p>
             <a:fld id="{835A83B9-D949-4B7D-B921-1F54FB515E94}" type="datetime1">
               <a:rPr lang="en-IN" smtClean="0"/>
-              <a:t>01-09-2020</a:t>
+              <a:t>04-10-2020</a:t>
             </a:fld>
             <a:endParaRPr lang="en-IN"/>
           </a:p>
@@ -1902,7 +1912,7 @@
           <a:p>
             <a:fld id="{0DAD2E62-1AEC-4EE7-897D-DFE6336119B0}" type="datetime1">
               <a:rPr lang="en-IN" smtClean="0"/>
-              <a:t>01-09-2020</a:t>
+              <a:t>04-10-2020</a:t>
             </a:fld>
             <a:endParaRPr lang="en-IN"/>
           </a:p>
@@ -2882,7 +2892,7 @@
           <a:p>
             <a:fld id="{4A3F4C3B-D042-4356-8E45-2B1BE12A8490}" type="datetime1">
               <a:rPr lang="en-IN" smtClean="0"/>
-              <a:t>01-09-2020</a:t>
+              <a:t>04-10-2020</a:t>
             </a:fld>
             <a:endParaRPr lang="en-IN"/>
           </a:p>
@@ -4016,7 +4026,7 @@
           <a:p>
             <a:fld id="{96EE96A9-3ED0-451C-AA3F-7F8CDEE430F0}" type="datetime1">
               <a:rPr lang="en-IN" smtClean="0"/>
-              <a:t>01-09-2020</a:t>
+              <a:t>04-10-2020</a:t>
             </a:fld>
             <a:endParaRPr lang="en-IN"/>
           </a:p>
@@ -5049,7 +5059,7 @@
           <a:p>
             <a:fld id="{C93061A8-2C44-4B56-BA84-510654455B64}" type="datetime1">
               <a:rPr lang="en-IN" smtClean="0"/>
-              <a:t>01-09-2020</a:t>
+              <a:t>04-10-2020</a:t>
             </a:fld>
             <a:endParaRPr lang="en-IN"/>
           </a:p>
@@ -5709,7 +5719,7 @@
           <a:p>
             <a:fld id="{06A752F0-F7CC-4A50-BA4A-0D43644CFB64}" type="datetime1">
               <a:rPr lang="en-IN" smtClean="0"/>
-              <a:t>01-09-2020</a:t>
+              <a:t>04-10-2020</a:t>
             </a:fld>
             <a:endParaRPr lang="en-IN"/>
           </a:p>
@@ -6570,7 +6580,7 @@
           <a:p>
             <a:fld id="{A55ED125-D8B3-4C2C-9087-28CD4504D31F}" type="datetime1">
               <a:rPr lang="en-IN" smtClean="0"/>
-              <a:t>01-09-2020</a:t>
+              <a:t>04-10-2020</a:t>
             </a:fld>
             <a:endParaRPr lang="en-IN"/>
           </a:p>
@@ -6760,7 +6770,7 @@
           <a:p>
             <a:fld id="{14248556-9A90-4491-B0EF-50D23653D4F7}" type="datetime1">
               <a:rPr lang="en-IN" smtClean="0"/>
-              <a:t>01-09-2020</a:t>
+              <a:t>04-10-2020</a:t>
             </a:fld>
             <a:endParaRPr lang="en-IN"/>
           </a:p>
@@ -7732,7 +7742,7 @@
           <a:p>
             <a:fld id="{8CD47421-9EFE-4D3C-BCF5-8E18794F9A0D}" type="datetime1">
               <a:rPr lang="en-IN" smtClean="0"/>
-              <a:t>01-09-2020</a:t>
+              <a:t>04-10-2020</a:t>
             </a:fld>
             <a:endParaRPr lang="en-IN"/>
           </a:p>
@@ -7943,7 +7953,7 @@
           <a:p>
             <a:fld id="{A8458A22-1586-4B81-8EC5-4B2439AC5560}" type="datetime1">
               <a:rPr lang="en-IN" smtClean="0"/>
-              <a:t>01-09-2020</a:t>
+              <a:t>04-10-2020</a:t>
             </a:fld>
             <a:endParaRPr lang="en-IN"/>
           </a:p>
@@ -8977,7 +8987,7 @@
           <a:p>
             <a:fld id="{91BC2FB2-C4CE-4500-B60A-A242AA6D62C6}" type="datetime1">
               <a:rPr lang="en-IN" smtClean="0"/>
-              <a:t>01-09-2020</a:t>
+              <a:t>04-10-2020</a:t>
             </a:fld>
             <a:endParaRPr lang="en-IN"/>
           </a:p>
@@ -9249,7 +9259,7 @@
           <a:p>
             <a:fld id="{D2831179-DD1E-423A-B7E2-2EB19664954A}" type="datetime1">
               <a:rPr lang="en-IN" smtClean="0"/>
-              <a:t>01-09-2020</a:t>
+              <a:t>04-10-2020</a:t>
             </a:fld>
             <a:endParaRPr lang="en-IN"/>
           </a:p>
@@ -9664,7 +9674,7 @@
           <a:p>
             <a:fld id="{7A740EAA-AC74-4ABC-86F6-046DA20E72C1}" type="datetime1">
               <a:rPr lang="en-IN" smtClean="0"/>
-              <a:t>01-09-2020</a:t>
+              <a:t>04-10-2020</a:t>
             </a:fld>
             <a:endParaRPr lang="en-IN"/>
           </a:p>
@@ -9796,7 +9806,7 @@
           <a:p>
             <a:fld id="{397EBD95-076F-4AF4-90F1-20BBF153176E}" type="datetime1">
               <a:rPr lang="en-IN" smtClean="0"/>
-              <a:t>01-09-2020</a:t>
+              <a:t>04-10-2020</a:t>
             </a:fld>
             <a:endParaRPr lang="en-IN"/>
           </a:p>
@@ -9891,7 +9901,7 @@
           <a:p>
             <a:fld id="{BB222637-36B5-4E6F-A79F-78062BA67B3E}" type="datetime1">
               <a:rPr lang="en-IN" smtClean="0"/>
-              <a:t>01-09-2020</a:t>
+              <a:t>04-10-2020</a:t>
             </a:fld>
             <a:endParaRPr lang="en-IN"/>
           </a:p>
@@ -10972,7 +10982,7 @@
           <a:p>
             <a:fld id="{4723143F-210F-44AD-94EA-3D01D067A1DE}" type="datetime1">
               <a:rPr lang="en-IN" smtClean="0"/>
-              <a:t>01-09-2020</a:t>
+              <a:t>04-10-2020</a:t>
             </a:fld>
             <a:endParaRPr lang="en-IN"/>
           </a:p>
@@ -12085,7 +12095,7 @@
           <a:p>
             <a:fld id="{30A1C440-515D-4DAF-B689-8728E71F2198}" type="datetime1">
               <a:rPr lang="en-IN" smtClean="0"/>
-              <a:t>01-09-2020</a:t>
+              <a:t>04-10-2020</a:t>
             </a:fld>
             <a:endParaRPr lang="en-IN"/>
           </a:p>
@@ -13082,7 +13092,7 @@
           <a:p>
             <a:fld id="{81AED2A7-CE36-43AE-9254-207297AA9E7E}" type="datetime1">
               <a:rPr lang="en-IN" smtClean="0"/>
-              <a:t>01-09-2020</a:t>
+              <a:t>04-10-2020</a:t>
             </a:fld>
             <a:endParaRPr lang="en-IN"/>
           </a:p>
@@ -16263,8 +16273,8 @@
         </p:nvSpPr>
         <p:spPr>
           <a:xfrm>
-            <a:off x="975946" y="3103685"/>
-            <a:ext cx="9882554" cy="2308324"/>
+            <a:off x="764931" y="2857501"/>
+            <a:ext cx="10199077" cy="2585323"/>
           </a:xfrm>
           <a:prstGeom prst="rect">
             <a:avLst/>
@@ -16300,43 +16310,6 @@
                 <a:solidFill>
                   <a:srgbClr val="FF0000"/>
                 </a:solidFill>
-                <a:hlinkClick r:id="rId2">
-                  <a:extLst>
-                    <a:ext uri="{A12FA001-AC4F-418D-AE19-62706E023703}">
-                      <ahyp:hlinkClr xmlns:ahyp="http://schemas.microsoft.com/office/drawing/2018/hyperlinkcolor" val="tx"/>
-                    </a:ext>
-                  </a:extLst>
-                </a:hlinkClick>
-              </a:rPr>
-              <a:t>https://dl.acm.org/doi/abs/10.1145/3184066.3184080</a:t>
-            </a:r>
-            <a:endParaRPr lang="en-IN" dirty="0">
-              <a:solidFill>
-                <a:srgbClr val="FF0000"/>
-              </a:solidFill>
-            </a:endParaRPr>
-          </a:p>
-          <a:p>
-            <a:pPr marL="285750" indent="-285750">
-              <a:buFont typeface="Arial" panose="020B0604020202020204" pitchFamily="34" charset="0"/>
-              <a:buChar char="•"/>
-            </a:pPr>
-            <a:endParaRPr lang="en-IN" dirty="0">
-              <a:solidFill>
-                <a:srgbClr val="FF0000"/>
-              </a:solidFill>
-            </a:endParaRPr>
-          </a:p>
-          <a:p>
-            <a:pPr marL="285750" indent="-285750">
-              <a:buFont typeface="Arial" panose="020B0604020202020204" pitchFamily="34" charset="0"/>
-              <a:buChar char="•"/>
-            </a:pPr>
-            <a:r>
-              <a:rPr lang="en-IN" dirty="0">
-                <a:solidFill>
-                  <a:srgbClr val="FF0000"/>
-                </a:solidFill>
                 <a:hlinkClick r:id="rId3">
                   <a:extLst>
                     <a:ext uri="{A12FA001-AC4F-418D-AE19-62706E023703}">
@@ -16345,7 +16318,7 @@
                   </a:extLst>
                 </a:hlinkClick>
               </a:rPr>
-              <a:t>https://ieeexplore.ieee.org/abstract/document/8391453</a:t>
+              <a:t>https://www.arxiv-vanity.com/papers/1711.07831/</a:t>
             </a:r>
             <a:endParaRPr lang="en-IN" dirty="0">
               <a:solidFill>
@@ -16382,7 +16355,7 @@
                   </a:extLst>
                 </a:hlinkClick>
               </a:rPr>
-              <a:t>https://www.hindawi.com/journals/jhe/2019/4253641/</a:t>
+              <a:t>https://www.ijecs.in/index.php/ijecs/article/download/4071/3827/</a:t>
             </a:r>
             <a:endParaRPr lang="en-IN" dirty="0">
               <a:solidFill>
@@ -16419,13 +16392,53 @@
                   </a:extLst>
                 </a:hlinkClick>
               </a:rPr>
-              <a:t>https://www.sciencedirect.com/science/article/pii/S2405959520300801</a:t>
+              <a:t>https://www.researchgate.net/publication/319688741_Breast_Cancer_Prediction_Using_Data_Mining_Method</a:t>
             </a:r>
             <a:endParaRPr lang="en-IN" dirty="0">
               <a:solidFill>
                 <a:srgbClr val="FF0000"/>
               </a:solidFill>
             </a:endParaRPr>
+          </a:p>
+          <a:p>
+            <a:pPr marL="285750" indent="-285750">
+              <a:buFont typeface="Arial" panose="020B0604020202020204" pitchFamily="34" charset="0"/>
+              <a:buChar char="•"/>
+            </a:pPr>
+            <a:endParaRPr lang="en-IN" dirty="0">
+              <a:solidFill>
+                <a:srgbClr val="FF0000"/>
+              </a:solidFill>
+            </a:endParaRPr>
+          </a:p>
+          <a:p>
+            <a:pPr marL="285750" indent="-285750">
+              <a:buFont typeface="Arial" panose="020B0604020202020204" pitchFamily="34" charset="0"/>
+              <a:buChar char="•"/>
+            </a:pPr>
+            <a:r>
+              <a:rPr lang="en-IN" dirty="0">
+                <a:solidFill>
+                  <a:srgbClr val="FF0000"/>
+                </a:solidFill>
+                <a:hlinkClick r:id="rId6">
+                  <a:extLst>
+                    <a:ext uri="{A12FA001-AC4F-418D-AE19-62706E023703}">
+                      <ahyp:hlinkClr xmlns:ahyp="http://schemas.microsoft.com/office/drawing/2018/hyperlinkcolor" val="tx"/>
+                    </a:ext>
+                  </a:extLst>
+                </a:hlinkClick>
+              </a:rPr>
+              <a:t>https://www.sciencedirect.com/science/article/pii/S2405959520300801</a:t>
+            </a:r>
+            <a:r>
+              <a:rPr lang="en-IN" dirty="0">
+                <a:solidFill>
+                  <a:srgbClr val="FF0000"/>
+                </a:solidFill>
+              </a:rPr>
+              <a:t> </a:t>
+            </a:r>
           </a:p>
         </p:txBody>
       </p:sp>
@@ -16443,6 +16456,2648 @@
 </file>
 
 <file path=ppt/slides/slide15.xml><?xml version="1.0" encoding="utf-8"?>
+<p:sld xmlns:a="http://schemas.openxmlformats.org/drawingml/2006/main" xmlns:r="http://schemas.openxmlformats.org/officeDocument/2006/relationships" xmlns:p="http://schemas.openxmlformats.org/presentationml/2006/main">
+  <p:cSld>
+    <p:spTree>
+      <p:nvGrpSpPr>
+        <p:cNvPr id="1" name=""/>
+        <p:cNvGrpSpPr/>
+        <p:nvPr/>
+      </p:nvGrpSpPr>
+      <p:grpSpPr>
+        <a:xfrm>
+          <a:off x="0" y="0"/>
+          <a:ext cx="0" cy="0"/>
+          <a:chOff x="0" y="0"/>
+          <a:chExt cx="0" cy="0"/>
+        </a:xfrm>
+      </p:grpSpPr>
+      <p:sp>
+        <p:nvSpPr>
+          <p:cNvPr id="2" name="Title 1">
+            <a:extLst>
+              <a:ext uri="{FF2B5EF4-FFF2-40B4-BE49-F238E27FC236}">
+                <a16:creationId xmlns:a16="http://schemas.microsoft.com/office/drawing/2014/main" id="{70C22C3D-B81B-4A36-9B8B-790A737D08E9}"/>
+              </a:ext>
+            </a:extLst>
+          </p:cNvPr>
+          <p:cNvSpPr>
+            <a:spLocks noGrp="1"/>
+          </p:cNvSpPr>
+          <p:nvPr>
+            <p:ph type="title"/>
+          </p:nvPr>
+        </p:nvSpPr>
+        <p:spPr/>
+        <p:txBody>
+          <a:bodyPr/>
+          <a:lstStyle/>
+          <a:p>
+            <a:r>
+              <a:rPr lang="en-IN" sz="4800" dirty="0"/>
+              <a:t>Literature Review </a:t>
+            </a:r>
+          </a:p>
+        </p:txBody>
+      </p:sp>
+      <p:sp>
+        <p:nvSpPr>
+          <p:cNvPr id="3" name="Slide Number Placeholder 2">
+            <a:extLst>
+              <a:ext uri="{FF2B5EF4-FFF2-40B4-BE49-F238E27FC236}">
+                <a16:creationId xmlns:a16="http://schemas.microsoft.com/office/drawing/2014/main" id="{9DEBF3FD-438A-456C-88B8-71F510E144E5}"/>
+              </a:ext>
+            </a:extLst>
+          </p:cNvPr>
+          <p:cNvSpPr>
+            <a:spLocks noGrp="1"/>
+          </p:cNvSpPr>
+          <p:nvPr>
+            <p:ph type="sldNum" sz="quarter" idx="12"/>
+          </p:nvPr>
+        </p:nvSpPr>
+        <p:spPr/>
+        <p:txBody>
+          <a:bodyPr/>
+          <a:lstStyle/>
+          <a:p>
+            <a:fld id="{BFDB0D58-5588-4192-AAFD-61E16FB7490D}" type="slidenum">
+              <a:rPr lang="en-IN" smtClean="0"/>
+              <a:t>15</a:t>
+            </a:fld>
+            <a:endParaRPr lang="en-IN"/>
+          </a:p>
+        </p:txBody>
+      </p:sp>
+      <p:sp>
+        <p:nvSpPr>
+          <p:cNvPr id="5" name="TextBox 4">
+            <a:extLst>
+              <a:ext uri="{FF2B5EF4-FFF2-40B4-BE49-F238E27FC236}">
+                <a16:creationId xmlns:a16="http://schemas.microsoft.com/office/drawing/2014/main" id="{545912DF-1D9B-4CBF-A3AB-BC0B9C29843D}"/>
+              </a:ext>
+            </a:extLst>
+          </p:cNvPr>
+          <p:cNvSpPr txBox="1"/>
+          <p:nvPr/>
+        </p:nvSpPr>
+        <p:spPr>
+          <a:xfrm>
+            <a:off x="773723" y="2514600"/>
+            <a:ext cx="11245362" cy="3847207"/>
+          </a:xfrm>
+          <a:prstGeom prst="rect">
+            <a:avLst/>
+          </a:prstGeom>
+          <a:noFill/>
+        </p:spPr>
+        <p:txBody>
+          <a:bodyPr wrap="square" rtlCol="0">
+            <a:spAutoFit/>
+          </a:bodyPr>
+          <a:lstStyle/>
+          <a:p>
+            <a:pPr marL="285750" indent="-285750">
+              <a:buFont typeface="Arial" panose="020B0604020202020204" pitchFamily="34" charset="0"/>
+              <a:buChar char="•"/>
+            </a:pPr>
+            <a:r>
+              <a:rPr lang="en-US" sz="1600" b="0" i="0" dirty="0">
+                <a:effectLst/>
+                <a:latin typeface="Bookman Old Style" panose="02050604050505020204" pitchFamily="18" charset="0"/>
+              </a:rPr>
+              <a:t>The project by </a:t>
+            </a:r>
+            <a:r>
+              <a:rPr lang="en-US" sz="1600" b="1" i="0" dirty="0">
+                <a:effectLst/>
+                <a:latin typeface="Bookman Old Style" panose="02050604050505020204" pitchFamily="18" charset="0"/>
+              </a:rPr>
+              <a:t>S. Gokhale</a:t>
+            </a:r>
+            <a:r>
+              <a:rPr lang="en-US" sz="1600" b="0" i="0" dirty="0">
+                <a:effectLst/>
+                <a:latin typeface="Bookman Old Style" panose="02050604050505020204" pitchFamily="18" charset="0"/>
+              </a:rPr>
+              <a:t>, is using the ultrasonography(USG) technique which is a powerful method in detecting details about the breast mass that usually cannot be detected even by mammography.</a:t>
+            </a:r>
+          </a:p>
+          <a:p>
+            <a:pPr marL="285750" indent="-285750">
+              <a:buFont typeface="Arial" panose="020B0604020202020204" pitchFamily="34" charset="0"/>
+              <a:buChar char="•"/>
+            </a:pPr>
+            <a:endParaRPr lang="en-US" sz="1600" dirty="0">
+              <a:latin typeface="Bookman Old Style" panose="02050604050505020204" pitchFamily="18" charset="0"/>
+            </a:endParaRPr>
+          </a:p>
+          <a:p>
+            <a:pPr marL="285750" indent="-285750">
+              <a:buFont typeface="Arial" panose="020B0604020202020204" pitchFamily="34" charset="0"/>
+              <a:buChar char="•"/>
+            </a:pPr>
+            <a:r>
+              <a:rPr lang="en-IN" sz="1600" b="0" i="0" dirty="0">
+                <a:effectLst/>
+                <a:latin typeface="Bookman Old Style" panose="02050604050505020204" pitchFamily="18" charset="0"/>
+              </a:rPr>
+              <a:t> A project by </a:t>
+            </a:r>
+            <a:r>
+              <a:rPr lang="en-IN" sz="1600" b="1" i="0" dirty="0">
+                <a:effectLst/>
+                <a:latin typeface="Bookman Old Style" panose="02050604050505020204" pitchFamily="18" charset="0"/>
+              </a:rPr>
+              <a:t>Abien Fred M. Agarap </a:t>
+            </a:r>
+            <a:r>
+              <a:rPr lang="en-IN" sz="1600" b="0" i="0" dirty="0">
+                <a:effectLst/>
+                <a:latin typeface="Bookman Old Style" panose="02050604050505020204" pitchFamily="18" charset="0"/>
+              </a:rPr>
+              <a:t>uses different methods like GRU-SVM, NN, multilayer perceptron (MLP), SoftMax regression to classify the dataset into benign or malignant.</a:t>
+            </a:r>
+          </a:p>
+          <a:p>
+            <a:pPr marL="285750" indent="-285750">
+              <a:buFont typeface="Arial" panose="020B0604020202020204" pitchFamily="34" charset="0"/>
+              <a:buChar char="•"/>
+            </a:pPr>
+            <a:endParaRPr lang="en-IN" sz="1600" dirty="0">
+              <a:latin typeface="Bookman Old Style" panose="02050604050505020204" pitchFamily="18" charset="0"/>
+            </a:endParaRPr>
+          </a:p>
+          <a:p>
+            <a:pPr marL="285750" indent="-285750">
+              <a:buFont typeface="Arial" panose="020B0604020202020204" pitchFamily="34" charset="0"/>
+              <a:buChar char="•"/>
+            </a:pPr>
+            <a:r>
+              <a:rPr lang="en-US" sz="1600" b="0" i="0" dirty="0">
+                <a:effectLst/>
+                <a:latin typeface="Bookman Old Style" panose="02050604050505020204" pitchFamily="18" charset="0"/>
+              </a:rPr>
+              <a:t>A project </a:t>
+            </a:r>
+            <a:r>
+              <a:rPr lang="en-US" sz="1600" i="0" dirty="0">
+                <a:effectLst/>
+                <a:latin typeface="Bookman Old Style" panose="02050604050505020204" pitchFamily="18" charset="0"/>
+              </a:rPr>
+              <a:t>by</a:t>
+            </a:r>
+            <a:r>
+              <a:rPr lang="en-US" sz="1600" b="1" i="0" dirty="0">
+                <a:effectLst/>
+                <a:latin typeface="Bookman Old Style" panose="02050604050505020204" pitchFamily="18" charset="0"/>
+              </a:rPr>
+              <a:t> Priyanka Gupta</a:t>
+            </a:r>
+            <a:r>
+              <a:rPr lang="en-US" sz="1600" b="0" i="0" dirty="0">
+                <a:effectLst/>
+                <a:latin typeface="Bookman Old Style" panose="02050604050505020204" pitchFamily="18" charset="0"/>
+              </a:rPr>
+              <a:t> shows the comparison of the lesser invasive techniques such as Classification and Regression Trees (CART), random forest, </a:t>
+            </a:r>
+            <a:r>
+              <a:rPr lang="en-US" sz="1600" dirty="0">
+                <a:latin typeface="Bookman Old Style" panose="02050604050505020204" pitchFamily="18" charset="0"/>
+              </a:rPr>
+              <a:t>k </a:t>
+            </a:r>
+            <a:r>
+              <a:rPr lang="en-US" sz="1600" b="0" i="0" dirty="0">
+                <a:effectLst/>
+                <a:latin typeface="Bookman Old Style" panose="02050604050505020204" pitchFamily="18" charset="0"/>
+              </a:rPr>
+              <a:t>nearest neighbor and boosted trees. These four classification models are chosen to extract the most accurate model for predicting cancer survivability rate.</a:t>
+            </a:r>
+            <a:endParaRPr lang="en-IN" sz="1600" b="0" i="0" dirty="0">
+              <a:effectLst/>
+              <a:latin typeface="Bookman Old Style" panose="02050604050505020204" pitchFamily="18" charset="0"/>
+            </a:endParaRPr>
+          </a:p>
+          <a:p>
+            <a:pPr marL="285750" indent="-285750">
+              <a:buFont typeface="Arial" panose="020B0604020202020204" pitchFamily="34" charset="0"/>
+              <a:buChar char="•"/>
+            </a:pPr>
+            <a:endParaRPr lang="en-IN" sz="1600" dirty="0">
+              <a:latin typeface="Bookman Old Style" panose="02050604050505020204" pitchFamily="18" charset="0"/>
+            </a:endParaRPr>
+          </a:p>
+          <a:p>
+            <a:pPr marL="285750" indent="-285750">
+              <a:buFont typeface="Arial" panose="020B0604020202020204" pitchFamily="34" charset="0"/>
+              <a:buChar char="•"/>
+            </a:pPr>
+            <a:r>
+              <a:rPr lang="en-US" sz="1600" dirty="0">
+                <a:latin typeface="Bookman Old Style" panose="02050604050505020204" pitchFamily="18" charset="0"/>
+              </a:rPr>
+              <a:t>A</a:t>
+            </a:r>
+            <a:r>
+              <a:rPr lang="en-US" sz="1600" b="0" i="0" dirty="0">
+                <a:effectLst/>
+                <a:latin typeface="Bookman Old Style" panose="02050604050505020204" pitchFamily="18" charset="0"/>
+              </a:rPr>
+              <a:t> project by </a:t>
+            </a:r>
+            <a:r>
+              <a:rPr lang="en-US" sz="1600" b="1" i="0" dirty="0">
+                <a:effectLst/>
+                <a:latin typeface="Bookman Old Style" panose="02050604050505020204" pitchFamily="18" charset="0"/>
+              </a:rPr>
+              <a:t>Yixuan Li </a:t>
+            </a:r>
+            <a:r>
+              <a:rPr lang="en-US" sz="1600" b="0" i="0" dirty="0">
+                <a:effectLst/>
+                <a:latin typeface="Bookman Old Style" panose="02050604050505020204" pitchFamily="18" charset="0"/>
+              </a:rPr>
+              <a:t>and </a:t>
+            </a:r>
+            <a:r>
+              <a:rPr lang="en-US" sz="1600" b="1" i="0" dirty="0">
+                <a:effectLst/>
+                <a:latin typeface="Bookman Old Style" panose="02050604050505020204" pitchFamily="18" charset="0"/>
+              </a:rPr>
+              <a:t>Zixuan Chen </a:t>
+            </a:r>
+            <a:r>
+              <a:rPr lang="en-US" sz="1600" b="0" i="0" dirty="0">
+                <a:effectLst/>
+                <a:latin typeface="Bookman Old Style" panose="02050604050505020204" pitchFamily="18" charset="0"/>
+              </a:rPr>
+              <a:t>shows a performance evaluation using three indicators including prediction accuracy values, F-measure metric and AUC values are used to compare the performance of the classification models.</a:t>
+            </a:r>
+            <a:r>
+              <a:rPr lang="en-IN" sz="1600" b="0" i="0" dirty="0">
+                <a:effectLst/>
+                <a:latin typeface="Bookman Old Style" panose="02050604050505020204" pitchFamily="18" charset="0"/>
+              </a:rPr>
+              <a:t> </a:t>
+            </a:r>
+          </a:p>
+          <a:p>
+            <a:endParaRPr lang="en-IN" dirty="0">
+              <a:solidFill>
+                <a:srgbClr val="000000"/>
+              </a:solidFill>
+              <a:latin typeface="Lato"/>
+            </a:endParaRPr>
+          </a:p>
+          <a:p>
+            <a:endParaRPr lang="en-IN" dirty="0"/>
+          </a:p>
+        </p:txBody>
+      </p:sp>
+    </p:spTree>
+    <p:extLst>
+      <p:ext uri="{BB962C8B-B14F-4D97-AF65-F5344CB8AC3E}">
+        <p14:creationId xmlns:p14="http://schemas.microsoft.com/office/powerpoint/2010/main" val="3081672039"/>
+      </p:ext>
+    </p:extLst>
+  </p:cSld>
+  <p:clrMapOvr>
+    <a:masterClrMapping/>
+  </p:clrMapOvr>
+</p:sld>
+</file>
+
+<file path=ppt/slides/slide16.xml><?xml version="1.0" encoding="utf-8"?>
+<p:sld xmlns:a="http://schemas.openxmlformats.org/drawingml/2006/main" xmlns:r="http://schemas.openxmlformats.org/officeDocument/2006/relationships" xmlns:p="http://schemas.openxmlformats.org/presentationml/2006/main">
+  <p:cSld>
+    <p:spTree>
+      <p:nvGrpSpPr>
+        <p:cNvPr id="1" name=""/>
+        <p:cNvGrpSpPr/>
+        <p:nvPr/>
+      </p:nvGrpSpPr>
+      <p:grpSpPr>
+        <a:xfrm>
+          <a:off x="0" y="0"/>
+          <a:ext cx="0" cy="0"/>
+          <a:chOff x="0" y="0"/>
+          <a:chExt cx="0" cy="0"/>
+        </a:xfrm>
+      </p:grpSpPr>
+      <p:sp>
+        <p:nvSpPr>
+          <p:cNvPr id="2" name="Title 1">
+            <a:extLst>
+              <a:ext uri="{FF2B5EF4-FFF2-40B4-BE49-F238E27FC236}">
+                <a16:creationId xmlns:a16="http://schemas.microsoft.com/office/drawing/2014/main" id="{AD48C2BE-5BBA-4355-AB5F-0865B6D971AF}"/>
+              </a:ext>
+            </a:extLst>
+          </p:cNvPr>
+          <p:cNvSpPr>
+            <a:spLocks noGrp="1"/>
+          </p:cNvSpPr>
+          <p:nvPr>
+            <p:ph type="title"/>
+          </p:nvPr>
+        </p:nvSpPr>
+        <p:spPr/>
+        <p:txBody>
+          <a:bodyPr/>
+          <a:lstStyle/>
+          <a:p>
+            <a:r>
+              <a:rPr lang="en-IN" sz="4800" dirty="0"/>
+              <a:t>Module Description </a:t>
+            </a:r>
+          </a:p>
+        </p:txBody>
+      </p:sp>
+      <p:sp>
+        <p:nvSpPr>
+          <p:cNvPr id="3" name="Slide Number Placeholder 2">
+            <a:extLst>
+              <a:ext uri="{FF2B5EF4-FFF2-40B4-BE49-F238E27FC236}">
+                <a16:creationId xmlns:a16="http://schemas.microsoft.com/office/drawing/2014/main" id="{AF4F5358-4ECE-4A0E-9917-AFFE0A247E17}"/>
+              </a:ext>
+            </a:extLst>
+          </p:cNvPr>
+          <p:cNvSpPr>
+            <a:spLocks noGrp="1"/>
+          </p:cNvSpPr>
+          <p:nvPr>
+            <p:ph type="sldNum" sz="quarter" idx="12"/>
+          </p:nvPr>
+        </p:nvSpPr>
+        <p:spPr/>
+        <p:txBody>
+          <a:bodyPr/>
+          <a:lstStyle/>
+          <a:p>
+            <a:fld id="{BFDB0D58-5588-4192-AAFD-61E16FB7490D}" type="slidenum">
+              <a:rPr lang="en-IN" smtClean="0"/>
+              <a:t>16</a:t>
+            </a:fld>
+            <a:endParaRPr lang="en-IN"/>
+          </a:p>
+        </p:txBody>
+      </p:sp>
+      <p:sp>
+        <p:nvSpPr>
+          <p:cNvPr id="4" name="TextBox 3">
+            <a:extLst>
+              <a:ext uri="{FF2B5EF4-FFF2-40B4-BE49-F238E27FC236}">
+                <a16:creationId xmlns:a16="http://schemas.microsoft.com/office/drawing/2014/main" id="{4891EEB9-74BB-4697-911A-00AE5B26B374}"/>
+              </a:ext>
+            </a:extLst>
+          </p:cNvPr>
+          <p:cNvSpPr txBox="1"/>
+          <p:nvPr/>
+        </p:nvSpPr>
+        <p:spPr>
+          <a:xfrm>
+            <a:off x="430823" y="2584939"/>
+            <a:ext cx="10925908" cy="4647426"/>
+          </a:xfrm>
+          <a:prstGeom prst="rect">
+            <a:avLst/>
+          </a:prstGeom>
+          <a:noFill/>
+        </p:spPr>
+        <p:txBody>
+          <a:bodyPr wrap="square" rtlCol="0">
+            <a:spAutoFit/>
+          </a:bodyPr>
+          <a:lstStyle/>
+          <a:p>
+            <a:pPr marL="457200" indent="-457200">
+              <a:buClr>
+                <a:schemeClr val="accent1"/>
+              </a:buClr>
+              <a:buFont typeface="+mj-lt"/>
+              <a:buAutoNum type="arabicPeriod"/>
+            </a:pPr>
+            <a:r>
+              <a:rPr lang="en-IN" sz="2000" b="1" dirty="0">
+                <a:latin typeface="Bookman Old Style" panose="02050604050505020204" pitchFamily="18" charset="0"/>
+              </a:rPr>
+              <a:t>Data Collection -</a:t>
+            </a:r>
+          </a:p>
+          <a:p>
+            <a:pPr lvl="1">
+              <a:buClr>
+                <a:schemeClr val="accent1"/>
+              </a:buClr>
+            </a:pPr>
+            <a:r>
+              <a:rPr lang="en-US" i="0" dirty="0">
+                <a:effectLst/>
+                <a:latin typeface="Bookman Old Style" panose="02050604050505020204" pitchFamily="18" charset="0"/>
+              </a:rPr>
+              <a:t>Data collection is the process of gathering and measuring information on variables of interest, in an established systematic fashion that enables one to answer stated research questions, test hypotheses, and evaluate outcomes</a:t>
+            </a:r>
+          </a:p>
+          <a:p>
+            <a:pPr marL="1257300" lvl="2" indent="-342900">
+              <a:buClr>
+                <a:schemeClr val="accent1"/>
+              </a:buClr>
+              <a:buFont typeface="+mj-lt"/>
+              <a:buAutoNum type="arabicPeriod"/>
+            </a:pPr>
+            <a:endParaRPr lang="en-IN" dirty="0">
+              <a:latin typeface="Bookman Old Style" panose="02050604050505020204" pitchFamily="18" charset="0"/>
+            </a:endParaRPr>
+          </a:p>
+          <a:p>
+            <a:pPr marL="457200" indent="-457200">
+              <a:buClr>
+                <a:schemeClr val="accent1"/>
+              </a:buClr>
+              <a:buFont typeface="+mj-lt"/>
+              <a:buAutoNum type="arabicPeriod"/>
+            </a:pPr>
+            <a:r>
+              <a:rPr lang="en-IN" sz="2000" b="1" dirty="0">
+                <a:latin typeface="Bookman Old Style" panose="02050604050505020204" pitchFamily="18" charset="0"/>
+              </a:rPr>
+              <a:t>Data Wrangling –</a:t>
+            </a:r>
+          </a:p>
+          <a:p>
+            <a:pPr lvl="1">
+              <a:buClr>
+                <a:schemeClr val="accent1"/>
+              </a:buClr>
+            </a:pPr>
+            <a:r>
+              <a:rPr lang="en-US" i="0" dirty="0">
+                <a:solidFill>
+                  <a:srgbClr val="222222"/>
+                </a:solidFill>
+                <a:effectLst/>
+                <a:latin typeface="Bookman Old Style" panose="02050604050505020204" pitchFamily="18" charset="0"/>
+              </a:rPr>
+              <a:t>Data wrangling is the process of cleaning and unifying messy and complex data sets for easy access and analysis</a:t>
+            </a:r>
+          </a:p>
+          <a:p>
+            <a:pPr marL="800100" lvl="1" indent="-342900">
+              <a:buClr>
+                <a:schemeClr val="accent1"/>
+              </a:buClr>
+              <a:buFont typeface="+mj-lt"/>
+              <a:buAutoNum type="arabicPeriod"/>
+            </a:pPr>
+            <a:endParaRPr lang="en-IN" dirty="0">
+              <a:solidFill>
+                <a:srgbClr val="222222"/>
+              </a:solidFill>
+              <a:latin typeface="Bookman Old Style" panose="02050604050505020204" pitchFamily="18" charset="0"/>
+            </a:endParaRPr>
+          </a:p>
+          <a:p>
+            <a:pPr marL="457200" indent="-457200">
+              <a:buClr>
+                <a:schemeClr val="accent1"/>
+              </a:buClr>
+              <a:buFont typeface="+mj-lt"/>
+              <a:buAutoNum type="arabicPeriod"/>
+            </a:pPr>
+            <a:r>
+              <a:rPr lang="en-IN" sz="2000" b="1" dirty="0">
+                <a:latin typeface="Bookman Old Style" panose="02050604050505020204" pitchFamily="18" charset="0"/>
+              </a:rPr>
+              <a:t>Data Normalization-</a:t>
+            </a:r>
+          </a:p>
+          <a:p>
+            <a:pPr lvl="1">
+              <a:buClr>
+                <a:schemeClr val="accent1"/>
+              </a:buClr>
+            </a:pPr>
+            <a:r>
+              <a:rPr lang="en-US" dirty="0">
+                <a:solidFill>
+                  <a:srgbClr val="000000"/>
+                </a:solidFill>
+                <a:latin typeface="Bookman Old Style" panose="02050604050505020204" pitchFamily="18" charset="0"/>
+              </a:rPr>
+              <a:t>Data normalization is a process in which data attributes within a data model are organized  to increase the cohesion of entity types. T</a:t>
+            </a:r>
+            <a:r>
+              <a:rPr lang="en-US" b="0" i="0" dirty="0">
+                <a:solidFill>
+                  <a:srgbClr val="000000"/>
+                </a:solidFill>
+                <a:effectLst/>
+                <a:latin typeface="Bookman Old Style" panose="02050604050505020204" pitchFamily="18" charset="0"/>
+              </a:rPr>
+              <a:t>he goal of data normalization is to reduce and even eliminate data redundancy.</a:t>
+            </a:r>
+            <a:endParaRPr lang="en-IN" b="1" dirty="0">
+              <a:latin typeface="Bookman Old Style" panose="02050604050505020204" pitchFamily="18" charset="0"/>
+            </a:endParaRPr>
+          </a:p>
+          <a:p>
+            <a:pPr>
+              <a:buClr>
+                <a:schemeClr val="accent1"/>
+              </a:buClr>
+            </a:pPr>
+            <a:endParaRPr lang="en-IN" sz="2000" b="1" dirty="0">
+              <a:latin typeface="Bookman Old Style" panose="02050604050505020204" pitchFamily="18" charset="0"/>
+            </a:endParaRPr>
+          </a:p>
+          <a:p>
+            <a:endParaRPr lang="en-IN" dirty="0"/>
+          </a:p>
+          <a:p>
+            <a:r>
+              <a:rPr lang="en-IN" dirty="0"/>
+              <a:t>   </a:t>
+            </a:r>
+          </a:p>
+        </p:txBody>
+      </p:sp>
+    </p:spTree>
+    <p:extLst>
+      <p:ext uri="{BB962C8B-B14F-4D97-AF65-F5344CB8AC3E}">
+        <p14:creationId xmlns:p14="http://schemas.microsoft.com/office/powerpoint/2010/main" val="894134451"/>
+      </p:ext>
+    </p:extLst>
+  </p:cSld>
+  <p:clrMapOvr>
+    <a:masterClrMapping/>
+  </p:clrMapOvr>
+</p:sld>
+</file>
+
+<file path=ppt/slides/slide17.xml><?xml version="1.0" encoding="utf-8"?>
+<p:sld xmlns:a="http://schemas.openxmlformats.org/drawingml/2006/main" xmlns:r="http://schemas.openxmlformats.org/officeDocument/2006/relationships" xmlns:p="http://schemas.openxmlformats.org/presentationml/2006/main">
+  <p:cSld>
+    <p:spTree>
+      <p:nvGrpSpPr>
+        <p:cNvPr id="1" name=""/>
+        <p:cNvGrpSpPr/>
+        <p:nvPr/>
+      </p:nvGrpSpPr>
+      <p:grpSpPr>
+        <a:xfrm>
+          <a:off x="0" y="0"/>
+          <a:ext cx="0" cy="0"/>
+          <a:chOff x="0" y="0"/>
+          <a:chExt cx="0" cy="0"/>
+        </a:xfrm>
+      </p:grpSpPr>
+      <p:sp>
+        <p:nvSpPr>
+          <p:cNvPr id="4" name="Title 3">
+            <a:extLst>
+              <a:ext uri="{FF2B5EF4-FFF2-40B4-BE49-F238E27FC236}">
+                <a16:creationId xmlns:a16="http://schemas.microsoft.com/office/drawing/2014/main" id="{CA7978C8-B2B3-4E3D-A79E-208AD9B7F253}"/>
+              </a:ext>
+            </a:extLst>
+          </p:cNvPr>
+          <p:cNvSpPr>
+            <a:spLocks noGrp="1"/>
+          </p:cNvSpPr>
+          <p:nvPr>
+            <p:ph type="title"/>
+          </p:nvPr>
+        </p:nvSpPr>
+        <p:spPr/>
+        <p:txBody>
+          <a:bodyPr/>
+          <a:lstStyle/>
+          <a:p>
+            <a:r>
+              <a:rPr lang="en-IN" sz="4800" dirty="0"/>
+              <a:t>Module Description </a:t>
+            </a:r>
+          </a:p>
+        </p:txBody>
+      </p:sp>
+      <p:sp>
+        <p:nvSpPr>
+          <p:cNvPr id="5" name="Content Placeholder 4">
+            <a:extLst>
+              <a:ext uri="{FF2B5EF4-FFF2-40B4-BE49-F238E27FC236}">
+                <a16:creationId xmlns:a16="http://schemas.microsoft.com/office/drawing/2014/main" id="{9FEE4FF4-8856-4514-82FF-825AE1454D97}"/>
+              </a:ext>
+            </a:extLst>
+          </p:cNvPr>
+          <p:cNvSpPr>
+            <a:spLocks noGrp="1"/>
+          </p:cNvSpPr>
+          <p:nvPr>
+            <p:ph idx="1"/>
+          </p:nvPr>
+        </p:nvSpPr>
+        <p:spPr>
+          <a:xfrm>
+            <a:off x="492370" y="2603499"/>
+            <a:ext cx="11699630" cy="4254501"/>
+          </a:xfrm>
+        </p:spPr>
+        <p:txBody>
+          <a:bodyPr>
+            <a:normAutofit/>
+          </a:bodyPr>
+          <a:lstStyle/>
+          <a:p>
+            <a:pPr marL="0" indent="0">
+              <a:buNone/>
+            </a:pPr>
+            <a:r>
+              <a:rPr lang="en-IN" b="1" dirty="0">
+                <a:solidFill>
+                  <a:schemeClr val="accent1"/>
+                </a:solidFill>
+                <a:latin typeface="Bookman Old Style" panose="02050604050505020204" pitchFamily="18" charset="0"/>
+              </a:rPr>
+              <a:t>4</a:t>
+            </a:r>
+            <a:r>
+              <a:rPr lang="en-IN" dirty="0">
+                <a:solidFill>
+                  <a:schemeClr val="accent1"/>
+                </a:solidFill>
+                <a:latin typeface="Bookman Old Style" panose="02050604050505020204" pitchFamily="18" charset="0"/>
+              </a:rPr>
+              <a:t>. </a:t>
+            </a:r>
+            <a:r>
+              <a:rPr lang="en-IN" sz="2000" b="1" dirty="0">
+                <a:latin typeface="Bookman Old Style" panose="02050604050505020204" pitchFamily="18" charset="0"/>
+              </a:rPr>
+              <a:t>Data Visualization-</a:t>
+            </a:r>
+          </a:p>
+          <a:p>
+            <a:pPr marL="400050" lvl="1" indent="0">
+              <a:buNone/>
+            </a:pPr>
+            <a:r>
+              <a:rPr lang="en-US" b="0" i="0" dirty="0">
+                <a:solidFill>
+                  <a:srgbClr val="1A1A1A"/>
+                </a:solidFill>
+                <a:effectLst/>
+                <a:latin typeface="Bookman Old Style" panose="02050604050505020204" pitchFamily="18" charset="0"/>
+              </a:rPr>
+              <a:t>Data visualization is the act of taking information (data) and placing it into a visual context, such as a map or graph to </a:t>
+            </a:r>
+            <a:r>
+              <a:rPr lang="en-US" b="0" i="0" dirty="0">
+                <a:solidFill>
+                  <a:srgbClr val="333333"/>
+                </a:solidFill>
+                <a:effectLst/>
+                <a:latin typeface="Bookman Old Style" panose="02050604050505020204" pitchFamily="18" charset="0"/>
+              </a:rPr>
+              <a:t> provide an accessible way to see and understand trends, outliers, and patterns in  data.</a:t>
+            </a:r>
+            <a:endParaRPr lang="en-IN" b="1" i="0" dirty="0">
+              <a:solidFill>
+                <a:srgbClr val="333333"/>
+              </a:solidFill>
+              <a:effectLst/>
+              <a:latin typeface="Bookman Old Style" panose="02050604050505020204" pitchFamily="18" charset="0"/>
+            </a:endParaRPr>
+          </a:p>
+          <a:p>
+            <a:pPr marL="0" indent="0">
+              <a:buNone/>
+            </a:pPr>
+            <a:r>
+              <a:rPr lang="en-IN" b="1" dirty="0">
+                <a:solidFill>
+                  <a:schemeClr val="accent1"/>
+                </a:solidFill>
+                <a:latin typeface="Bookman Old Style" panose="02050604050505020204" pitchFamily="18" charset="0"/>
+              </a:rPr>
+              <a:t>5. </a:t>
+            </a:r>
+            <a:r>
+              <a:rPr lang="en-IN" sz="2000" b="1" dirty="0">
+                <a:latin typeface="Bookman Old Style" panose="02050604050505020204" pitchFamily="18" charset="0"/>
+              </a:rPr>
+              <a:t>Feature Selection-</a:t>
+            </a:r>
+          </a:p>
+          <a:p>
+            <a:pPr marL="400050" lvl="1" indent="0">
+              <a:buNone/>
+            </a:pPr>
+            <a:r>
+              <a:rPr lang="en-US" i="0" dirty="0">
+                <a:solidFill>
+                  <a:srgbClr val="222222"/>
+                </a:solidFill>
+                <a:effectLst/>
+                <a:latin typeface="Bookman Old Style" panose="02050604050505020204" pitchFamily="18" charset="0"/>
+              </a:rPr>
+              <a:t>Feature Selection is the process where you automatically or manually select those features which contribute most to your prediction variable or output in which you are interested in</a:t>
+            </a:r>
+            <a:endParaRPr lang="en-IN" dirty="0">
+              <a:latin typeface="Bookman Old Style" panose="02050604050505020204" pitchFamily="18" charset="0"/>
+            </a:endParaRPr>
+          </a:p>
+          <a:p>
+            <a:pPr marL="0" indent="0">
+              <a:buNone/>
+            </a:pPr>
+            <a:r>
+              <a:rPr lang="en-IN" b="1" dirty="0">
+                <a:solidFill>
+                  <a:schemeClr val="accent1"/>
+                </a:solidFill>
+                <a:latin typeface="Bookman Old Style" panose="02050604050505020204" pitchFamily="18" charset="0"/>
+              </a:rPr>
+              <a:t>6. </a:t>
+            </a:r>
+            <a:r>
+              <a:rPr lang="en-IN" sz="2000" b="1" dirty="0">
+                <a:latin typeface="Bookman Old Style" panose="02050604050505020204" pitchFamily="18" charset="0"/>
+              </a:rPr>
+              <a:t>Model Building –</a:t>
+            </a:r>
+          </a:p>
+          <a:p>
+            <a:pPr marL="457200" lvl="1" indent="0">
+              <a:buNone/>
+            </a:pPr>
+            <a:r>
+              <a:rPr lang="en-US" dirty="0">
+                <a:solidFill>
+                  <a:srgbClr val="222222"/>
+                </a:solidFill>
+                <a:latin typeface="Bookman Old Style" panose="02050604050505020204" pitchFamily="18" charset="0"/>
+              </a:rPr>
+              <a:t>M</a:t>
+            </a:r>
+            <a:r>
+              <a:rPr lang="en-US" i="0" dirty="0">
+                <a:solidFill>
+                  <a:srgbClr val="222222"/>
+                </a:solidFill>
+                <a:effectLst/>
+                <a:latin typeface="Bookman Old Style" panose="02050604050505020204" pitchFamily="18" charset="0"/>
+              </a:rPr>
+              <a:t>odel building is the process of developing a probabilistic model that best describes the relationship between the dependent and independent variables</a:t>
+            </a:r>
+            <a:endParaRPr lang="en-IN" dirty="0">
+              <a:latin typeface="Bookman Old Style" panose="02050604050505020204" pitchFamily="18" charset="0"/>
+            </a:endParaRPr>
+          </a:p>
+          <a:p>
+            <a:pPr marL="0" indent="0">
+              <a:buNone/>
+            </a:pPr>
+            <a:r>
+              <a:rPr lang="en-IN" b="1" dirty="0">
+                <a:solidFill>
+                  <a:schemeClr val="accent1"/>
+                </a:solidFill>
+                <a:latin typeface="Bookman Old Style" panose="02050604050505020204" pitchFamily="18" charset="0"/>
+              </a:rPr>
+              <a:t>7. </a:t>
+            </a:r>
+            <a:r>
+              <a:rPr lang="en-IN" sz="2000" b="1" dirty="0">
+                <a:latin typeface="Bookman Old Style" panose="02050604050505020204" pitchFamily="18" charset="0"/>
+              </a:rPr>
+              <a:t>Deployment –</a:t>
+            </a:r>
+          </a:p>
+          <a:p>
+            <a:pPr marL="457200" lvl="1" indent="0">
+              <a:buNone/>
+            </a:pPr>
+            <a:r>
+              <a:rPr lang="en-US" i="0" dirty="0">
+                <a:solidFill>
+                  <a:srgbClr val="222222"/>
+                </a:solidFill>
+                <a:effectLst/>
+                <a:latin typeface="Bookman Old Style" panose="02050604050505020204" pitchFamily="18" charset="0"/>
+              </a:rPr>
+              <a:t>The concept of deployment in data science refers to the application of a model for prediction using a new data.</a:t>
+            </a:r>
+            <a:endParaRPr lang="en-IN" dirty="0">
+              <a:latin typeface="Bookman Old Style" panose="02050604050505020204" pitchFamily="18" charset="0"/>
+            </a:endParaRPr>
+          </a:p>
+          <a:p>
+            <a:pPr marL="0" indent="0">
+              <a:buNone/>
+            </a:pPr>
+            <a:endParaRPr lang="en-IN" dirty="0"/>
+          </a:p>
+        </p:txBody>
+      </p:sp>
+      <p:sp>
+        <p:nvSpPr>
+          <p:cNvPr id="3" name="Slide Number Placeholder 2">
+            <a:extLst>
+              <a:ext uri="{FF2B5EF4-FFF2-40B4-BE49-F238E27FC236}">
+                <a16:creationId xmlns:a16="http://schemas.microsoft.com/office/drawing/2014/main" id="{C84E1918-46C1-48B9-A890-BD39612FD0B1}"/>
+              </a:ext>
+            </a:extLst>
+          </p:cNvPr>
+          <p:cNvSpPr>
+            <a:spLocks noGrp="1"/>
+          </p:cNvSpPr>
+          <p:nvPr>
+            <p:ph type="sldNum" sz="quarter" idx="12"/>
+          </p:nvPr>
+        </p:nvSpPr>
+        <p:spPr/>
+        <p:txBody>
+          <a:bodyPr/>
+          <a:lstStyle/>
+          <a:p>
+            <a:fld id="{BFDB0D58-5588-4192-AAFD-61E16FB7490D}" type="slidenum">
+              <a:rPr lang="en-IN" smtClean="0"/>
+              <a:t>17</a:t>
+            </a:fld>
+            <a:endParaRPr lang="en-IN"/>
+          </a:p>
+        </p:txBody>
+      </p:sp>
+    </p:spTree>
+    <p:extLst>
+      <p:ext uri="{BB962C8B-B14F-4D97-AF65-F5344CB8AC3E}">
+        <p14:creationId xmlns:p14="http://schemas.microsoft.com/office/powerpoint/2010/main" val="3011119437"/>
+      </p:ext>
+    </p:extLst>
+  </p:cSld>
+  <p:clrMapOvr>
+    <a:masterClrMapping/>
+  </p:clrMapOvr>
+</p:sld>
+</file>
+
+<file path=ppt/slides/slide18.xml><?xml version="1.0" encoding="utf-8"?>
+<p:sld xmlns:a="http://schemas.openxmlformats.org/drawingml/2006/main" xmlns:r="http://schemas.openxmlformats.org/officeDocument/2006/relationships" xmlns:p="http://schemas.openxmlformats.org/presentationml/2006/main">
+  <p:cSld>
+    <p:spTree>
+      <p:nvGrpSpPr>
+        <p:cNvPr id="1" name=""/>
+        <p:cNvGrpSpPr/>
+        <p:nvPr/>
+      </p:nvGrpSpPr>
+      <p:grpSpPr>
+        <a:xfrm>
+          <a:off x="0" y="0"/>
+          <a:ext cx="0" cy="0"/>
+          <a:chOff x="0" y="0"/>
+          <a:chExt cx="0" cy="0"/>
+        </a:xfrm>
+      </p:grpSpPr>
+      <p:sp>
+        <p:nvSpPr>
+          <p:cNvPr id="2" name="Title 1">
+            <a:extLst>
+              <a:ext uri="{FF2B5EF4-FFF2-40B4-BE49-F238E27FC236}">
+                <a16:creationId xmlns:a16="http://schemas.microsoft.com/office/drawing/2014/main" id="{268AD22C-B074-4E2E-BFA7-14E64654D573}"/>
+              </a:ext>
+            </a:extLst>
+          </p:cNvPr>
+          <p:cNvSpPr>
+            <a:spLocks noGrp="1"/>
+          </p:cNvSpPr>
+          <p:nvPr>
+            <p:ph type="title"/>
+          </p:nvPr>
+        </p:nvSpPr>
+        <p:spPr/>
+        <p:txBody>
+          <a:bodyPr/>
+          <a:lstStyle/>
+          <a:p>
+            <a:r>
+              <a:rPr lang="en-IN" sz="4800" dirty="0"/>
+              <a:t>Module Workflow</a:t>
+            </a:r>
+          </a:p>
+        </p:txBody>
+      </p:sp>
+      <p:sp>
+        <p:nvSpPr>
+          <p:cNvPr id="3" name="Content Placeholder 2">
+            <a:extLst>
+              <a:ext uri="{FF2B5EF4-FFF2-40B4-BE49-F238E27FC236}">
+                <a16:creationId xmlns:a16="http://schemas.microsoft.com/office/drawing/2014/main" id="{237BA93A-4378-41E4-A0DA-0A5371E30A62}"/>
+              </a:ext>
+            </a:extLst>
+          </p:cNvPr>
+          <p:cNvSpPr>
+            <a:spLocks noGrp="1"/>
+          </p:cNvSpPr>
+          <p:nvPr>
+            <p:ph idx="1"/>
+          </p:nvPr>
+        </p:nvSpPr>
+        <p:spPr>
+          <a:xfrm>
+            <a:off x="1154954" y="2381235"/>
+            <a:ext cx="8991369" cy="3638565"/>
+          </a:xfrm>
+        </p:spPr>
+        <p:txBody>
+          <a:bodyPr/>
+          <a:lstStyle/>
+          <a:p>
+            <a:pPr marL="0" indent="0">
+              <a:buNone/>
+            </a:pPr>
+            <a:r>
+              <a:rPr lang="en-IN" sz="2800" dirty="0">
+                <a:latin typeface="Bookman Old Style" panose="02050604050505020204" pitchFamily="18" charset="0"/>
+              </a:rPr>
+              <a:t>Data Collection</a:t>
+            </a:r>
+          </a:p>
+          <a:p>
+            <a:pPr lvl="1">
+              <a:spcAft>
+                <a:spcPts val="300"/>
+              </a:spcAft>
+            </a:pPr>
+            <a:r>
+              <a:rPr lang="en-US" sz="1800" b="0" i="0" dirty="0">
+                <a:effectLst/>
+                <a:latin typeface="Bookman Old Style" panose="02050604050505020204" pitchFamily="18" charset="0"/>
+              </a:rPr>
+              <a:t>Accurate data collection is essential to ensure the integrity of the research, regardless of the field of study or data preference. </a:t>
+            </a:r>
+            <a:endParaRPr lang="en-US" sz="1800" i="0" dirty="0">
+              <a:effectLst/>
+              <a:latin typeface="Bookman Old Style" panose="02050604050505020204" pitchFamily="18" charset="0"/>
+            </a:endParaRPr>
+          </a:p>
+          <a:p>
+            <a:pPr lvl="1">
+              <a:spcAft>
+                <a:spcPts val="300"/>
+              </a:spcAft>
+            </a:pPr>
+            <a:r>
+              <a:rPr lang="en-US" sz="1800" b="0" i="0" dirty="0">
+                <a:solidFill>
+                  <a:srgbClr val="202122"/>
+                </a:solidFill>
+                <a:effectLst/>
+                <a:latin typeface="Bookman Old Style" panose="02050604050505020204" pitchFamily="18" charset="0"/>
+              </a:rPr>
+              <a:t>The goal for all data collection is to capture quality evidence that allows analysis to lead to the formulation of convincing and credible answers to the questions that have been posed.</a:t>
+            </a:r>
+            <a:endParaRPr lang="en-IN" sz="1800" b="0" i="0" dirty="0">
+              <a:solidFill>
+                <a:srgbClr val="202122"/>
+              </a:solidFill>
+              <a:effectLst/>
+              <a:latin typeface="Bookman Old Style" panose="02050604050505020204" pitchFamily="18" charset="0"/>
+            </a:endParaRPr>
+          </a:p>
+          <a:p>
+            <a:pPr lvl="1">
+              <a:spcAft>
+                <a:spcPts val="300"/>
+              </a:spcAft>
+            </a:pPr>
+            <a:r>
+              <a:rPr lang="en-IN" sz="1800" dirty="0">
+                <a:latin typeface="Bookman Old Style" panose="02050604050505020204" pitchFamily="18" charset="0"/>
+              </a:rPr>
+              <a:t>In our project is we are using </a:t>
+            </a:r>
+            <a:r>
+              <a:rPr lang="en-IN" sz="1800" b="1" dirty="0">
+                <a:solidFill>
+                  <a:srgbClr val="FF0000"/>
+                </a:solidFill>
+                <a:latin typeface="Bookman Old Style" panose="02050604050505020204" pitchFamily="18" charset="0"/>
+                <a:hlinkClick r:id="rId2">
+                  <a:extLst>
+                    <a:ext uri="{A12FA001-AC4F-418D-AE19-62706E023703}">
+                      <ahyp:hlinkClr xmlns:ahyp="http://schemas.microsoft.com/office/drawing/2018/hyperlinkcolor" val="tx"/>
+                    </a:ext>
+                  </a:extLst>
+                </a:hlinkClick>
+              </a:rPr>
+              <a:t>WISCONSIN </a:t>
+            </a:r>
+            <a:r>
+              <a:rPr lang="en-IN" sz="1800" b="1" i="0" dirty="0">
+                <a:solidFill>
+                  <a:srgbClr val="FF0000"/>
+                </a:solidFill>
+                <a:effectLst/>
+                <a:latin typeface="Bookman Old Style" panose="02050604050505020204" pitchFamily="18" charset="0"/>
+                <a:hlinkClick r:id="rId2">
+                  <a:extLst>
+                    <a:ext uri="{A12FA001-AC4F-418D-AE19-62706E023703}">
+                      <ahyp:hlinkClr xmlns:ahyp="http://schemas.microsoft.com/office/drawing/2018/hyperlinkcolor" val="tx"/>
+                    </a:ext>
+                  </a:extLst>
+                </a:hlinkClick>
+              </a:rPr>
+              <a:t>(Diagnostic) Data Set for Breast Cancer</a:t>
+            </a:r>
+            <a:r>
+              <a:rPr lang="en-IN" sz="1800" i="0" dirty="0">
+                <a:solidFill>
+                  <a:srgbClr val="FF0000"/>
+                </a:solidFill>
+                <a:effectLst/>
+                <a:latin typeface="Bookman Old Style" panose="02050604050505020204" pitchFamily="18" charset="0"/>
+              </a:rPr>
+              <a:t> </a:t>
+            </a:r>
+            <a:r>
+              <a:rPr lang="en-IN" sz="1800" i="0" dirty="0">
+                <a:solidFill>
+                  <a:srgbClr val="123654"/>
+                </a:solidFill>
+                <a:effectLst/>
+                <a:latin typeface="Bookman Old Style" panose="02050604050505020204" pitchFamily="18" charset="0"/>
+              </a:rPr>
+              <a:t>provided by UCI Machine Learning </a:t>
+            </a:r>
+            <a:r>
+              <a:rPr lang="en-IN" sz="1800" dirty="0">
+                <a:solidFill>
+                  <a:srgbClr val="123654"/>
+                </a:solidFill>
+                <a:latin typeface="Bookman Old Style" panose="02050604050505020204" pitchFamily="18" charset="0"/>
+              </a:rPr>
+              <a:t>Repository. </a:t>
+            </a:r>
+            <a:endParaRPr lang="en-IN" sz="1800" i="0" dirty="0">
+              <a:solidFill>
+                <a:srgbClr val="123654"/>
+              </a:solidFill>
+              <a:effectLst/>
+              <a:latin typeface="Bookman Old Style" panose="02050604050505020204" pitchFamily="18" charset="0"/>
+            </a:endParaRPr>
+          </a:p>
+        </p:txBody>
+      </p:sp>
+      <p:sp>
+        <p:nvSpPr>
+          <p:cNvPr id="4" name="Slide Number Placeholder 3">
+            <a:extLst>
+              <a:ext uri="{FF2B5EF4-FFF2-40B4-BE49-F238E27FC236}">
+                <a16:creationId xmlns:a16="http://schemas.microsoft.com/office/drawing/2014/main" id="{01AB2282-EA12-4ECB-9603-7A34EE5722A0}"/>
+              </a:ext>
+            </a:extLst>
+          </p:cNvPr>
+          <p:cNvSpPr>
+            <a:spLocks noGrp="1"/>
+          </p:cNvSpPr>
+          <p:nvPr>
+            <p:ph type="sldNum" sz="quarter" idx="12"/>
+          </p:nvPr>
+        </p:nvSpPr>
+        <p:spPr/>
+        <p:txBody>
+          <a:bodyPr/>
+          <a:lstStyle/>
+          <a:p>
+            <a:fld id="{BFDB0D58-5588-4192-AAFD-61E16FB7490D}" type="slidenum">
+              <a:rPr lang="en-IN" smtClean="0"/>
+              <a:t>18</a:t>
+            </a:fld>
+            <a:endParaRPr lang="en-IN"/>
+          </a:p>
+        </p:txBody>
+      </p:sp>
+      <p:sp>
+        <p:nvSpPr>
+          <p:cNvPr id="6" name="TextBox 5">
+            <a:extLst>
+              <a:ext uri="{FF2B5EF4-FFF2-40B4-BE49-F238E27FC236}">
+                <a16:creationId xmlns:a16="http://schemas.microsoft.com/office/drawing/2014/main" id="{89B31553-C832-46F0-B8B6-F91F858101BD}"/>
+              </a:ext>
+            </a:extLst>
+          </p:cNvPr>
+          <p:cNvSpPr txBox="1"/>
+          <p:nvPr/>
+        </p:nvSpPr>
+        <p:spPr>
+          <a:xfrm>
+            <a:off x="4165356" y="1588068"/>
+            <a:ext cx="6097464" cy="369332"/>
+          </a:xfrm>
+          <a:prstGeom prst="rect">
+            <a:avLst/>
+          </a:prstGeom>
+          <a:noFill/>
+        </p:spPr>
+        <p:txBody>
+          <a:bodyPr wrap="square">
+            <a:spAutoFit/>
+          </a:bodyPr>
+          <a:lstStyle/>
+          <a:p>
+            <a:pPr marL="742950" lvl="1" indent="-285750">
+              <a:buClr>
+                <a:schemeClr val="accent1"/>
+              </a:buClr>
+              <a:buFont typeface="Arial" panose="020B0604020202020204" pitchFamily="34" charset="0"/>
+              <a:buChar char="•"/>
+            </a:pPr>
+            <a:endParaRPr lang="en-US" sz="1800" i="0" dirty="0">
+              <a:effectLst/>
+              <a:latin typeface="Bookman Old Style" panose="02050604050505020204" pitchFamily="18" charset="0"/>
+            </a:endParaRPr>
+          </a:p>
+        </p:txBody>
+      </p:sp>
+      <p:pic>
+        <p:nvPicPr>
+          <p:cNvPr id="9" name="Picture 8">
+            <a:extLst>
+              <a:ext uri="{FF2B5EF4-FFF2-40B4-BE49-F238E27FC236}">
+                <a16:creationId xmlns:a16="http://schemas.microsoft.com/office/drawing/2014/main" id="{003A8544-9C45-4DAA-8B22-8BF650F4A916}"/>
+              </a:ext>
+            </a:extLst>
+          </p:cNvPr>
+          <p:cNvPicPr>
+            <a:picLocks noChangeAspect="1"/>
+          </p:cNvPicPr>
+          <p:nvPr/>
+        </p:nvPicPr>
+        <p:blipFill>
+          <a:blip r:embed="rId3"/>
+          <a:stretch>
+            <a:fillRect/>
+          </a:stretch>
+        </p:blipFill>
+        <p:spPr>
+          <a:xfrm>
+            <a:off x="1581926" y="5549518"/>
+            <a:ext cx="9260814" cy="847672"/>
+          </a:xfrm>
+          <a:prstGeom prst="rect">
+            <a:avLst/>
+          </a:prstGeom>
+        </p:spPr>
+      </p:pic>
+      <p:pic>
+        <p:nvPicPr>
+          <p:cNvPr id="11" name="Picture 10">
+            <a:extLst>
+              <a:ext uri="{FF2B5EF4-FFF2-40B4-BE49-F238E27FC236}">
+                <a16:creationId xmlns:a16="http://schemas.microsoft.com/office/drawing/2014/main" id="{C2ABDC92-EC0A-45A8-8517-AE1CA335DB29}"/>
+              </a:ext>
+            </a:extLst>
+          </p:cNvPr>
+          <p:cNvPicPr>
+            <a:picLocks noChangeAspect="1"/>
+          </p:cNvPicPr>
+          <p:nvPr/>
+        </p:nvPicPr>
+        <p:blipFill>
+          <a:blip r:embed="rId4"/>
+          <a:stretch>
+            <a:fillRect/>
+          </a:stretch>
+        </p:blipFill>
+        <p:spPr>
+          <a:xfrm>
+            <a:off x="7763608" y="5973353"/>
+            <a:ext cx="3079131" cy="423837"/>
+          </a:xfrm>
+          <a:prstGeom prst="rect">
+            <a:avLst/>
+          </a:prstGeom>
+        </p:spPr>
+      </p:pic>
+    </p:spTree>
+    <p:extLst>
+      <p:ext uri="{BB962C8B-B14F-4D97-AF65-F5344CB8AC3E}">
+        <p14:creationId xmlns:p14="http://schemas.microsoft.com/office/powerpoint/2010/main" val="386698061"/>
+      </p:ext>
+    </p:extLst>
+  </p:cSld>
+  <p:clrMapOvr>
+    <a:masterClrMapping/>
+  </p:clrMapOvr>
+</p:sld>
+</file>
+
+<file path=ppt/slides/slide19.xml><?xml version="1.0" encoding="utf-8"?>
+<p:sld xmlns:a="http://schemas.openxmlformats.org/drawingml/2006/main" xmlns:r="http://schemas.openxmlformats.org/officeDocument/2006/relationships" xmlns:p="http://schemas.openxmlformats.org/presentationml/2006/main">
+  <p:cSld>
+    <p:spTree>
+      <p:nvGrpSpPr>
+        <p:cNvPr id="1" name=""/>
+        <p:cNvGrpSpPr/>
+        <p:nvPr/>
+      </p:nvGrpSpPr>
+      <p:grpSpPr>
+        <a:xfrm>
+          <a:off x="0" y="0"/>
+          <a:ext cx="0" cy="0"/>
+          <a:chOff x="0" y="0"/>
+          <a:chExt cx="0" cy="0"/>
+        </a:xfrm>
+      </p:grpSpPr>
+      <p:sp>
+        <p:nvSpPr>
+          <p:cNvPr id="2" name="Title 1">
+            <a:extLst>
+              <a:ext uri="{FF2B5EF4-FFF2-40B4-BE49-F238E27FC236}">
+                <a16:creationId xmlns:a16="http://schemas.microsoft.com/office/drawing/2014/main" id="{C1064C43-BFCC-4C5D-8288-B6BCF436E2CA}"/>
+              </a:ext>
+            </a:extLst>
+          </p:cNvPr>
+          <p:cNvSpPr>
+            <a:spLocks noGrp="1"/>
+          </p:cNvSpPr>
+          <p:nvPr>
+            <p:ph type="title"/>
+          </p:nvPr>
+        </p:nvSpPr>
+        <p:spPr/>
+        <p:txBody>
+          <a:bodyPr/>
+          <a:lstStyle/>
+          <a:p>
+            <a:r>
+              <a:rPr lang="en-IN" sz="4800" dirty="0"/>
+              <a:t>Module Workflow</a:t>
+            </a:r>
+          </a:p>
+        </p:txBody>
+      </p:sp>
+      <p:sp>
+        <p:nvSpPr>
+          <p:cNvPr id="3" name="Content Placeholder 2">
+            <a:extLst>
+              <a:ext uri="{FF2B5EF4-FFF2-40B4-BE49-F238E27FC236}">
+                <a16:creationId xmlns:a16="http://schemas.microsoft.com/office/drawing/2014/main" id="{0D5D4195-0633-4622-81E8-F7C0C9B9FEE0}"/>
+              </a:ext>
+            </a:extLst>
+          </p:cNvPr>
+          <p:cNvSpPr>
+            <a:spLocks noGrp="1"/>
+          </p:cNvSpPr>
+          <p:nvPr>
+            <p:ph idx="1"/>
+          </p:nvPr>
+        </p:nvSpPr>
+        <p:spPr>
+          <a:xfrm>
+            <a:off x="486739" y="2427653"/>
+            <a:ext cx="11585099" cy="4368801"/>
+          </a:xfrm>
+        </p:spPr>
+        <p:txBody>
+          <a:bodyPr>
+            <a:normAutofit lnSpcReduction="10000"/>
+          </a:bodyPr>
+          <a:lstStyle/>
+          <a:p>
+            <a:pPr marL="0" indent="0">
+              <a:buNone/>
+            </a:pPr>
+            <a:r>
+              <a:rPr lang="en-IN" sz="2800" dirty="0">
+                <a:latin typeface="Bookman Old Style" panose="02050604050505020204" pitchFamily="18" charset="0"/>
+              </a:rPr>
+              <a:t>Data Wrangling -</a:t>
+            </a:r>
+          </a:p>
+          <a:p>
+            <a:pPr lvl="1">
+              <a:lnSpc>
+                <a:spcPct val="110000"/>
+              </a:lnSpc>
+              <a:spcAft>
+                <a:spcPts val="100"/>
+              </a:spcAft>
+            </a:pPr>
+            <a:r>
+              <a:rPr lang="en-US" sz="1800" b="0" i="0" dirty="0">
+                <a:solidFill>
+                  <a:srgbClr val="2C2F34"/>
+                </a:solidFill>
+                <a:effectLst/>
+                <a:latin typeface="Bookman Old Style" panose="02050604050505020204" pitchFamily="18" charset="0"/>
+              </a:rPr>
+              <a:t>Data wrangling refers to the process of cleaning, restructuring and enriching the raw data available into a more usable format.</a:t>
+            </a:r>
+          </a:p>
+          <a:p>
+            <a:pPr lvl="1">
+              <a:lnSpc>
+                <a:spcPct val="110000"/>
+              </a:lnSpc>
+              <a:spcAft>
+                <a:spcPts val="100"/>
+              </a:spcAft>
+            </a:pPr>
+            <a:r>
+              <a:rPr lang="en-US" sz="1800" b="0" i="0" dirty="0">
+                <a:solidFill>
+                  <a:srgbClr val="2C2F34"/>
+                </a:solidFill>
+                <a:effectLst/>
+                <a:latin typeface="Bookman Old Style" panose="02050604050505020204" pitchFamily="18" charset="0"/>
+              </a:rPr>
+              <a:t>This will help the scientist quicken the process of decision making, and thus get better insights in less time. </a:t>
+            </a:r>
+            <a:endParaRPr lang="en-US" sz="1800" dirty="0">
+              <a:solidFill>
+                <a:srgbClr val="2C2F34"/>
+              </a:solidFill>
+              <a:latin typeface="Bookman Old Style" panose="02050604050505020204" pitchFamily="18" charset="0"/>
+            </a:endParaRPr>
+          </a:p>
+          <a:p>
+            <a:pPr lvl="1">
+              <a:lnSpc>
+                <a:spcPct val="110000"/>
+              </a:lnSpc>
+              <a:spcAft>
+                <a:spcPts val="100"/>
+              </a:spcAft>
+            </a:pPr>
+            <a:r>
+              <a:rPr lang="en-US" sz="1800" dirty="0">
+                <a:solidFill>
+                  <a:srgbClr val="2C2F34"/>
+                </a:solidFill>
+                <a:latin typeface="Bookman Old Style" panose="02050604050505020204" pitchFamily="18" charset="0"/>
+              </a:rPr>
+              <a:t>T</a:t>
+            </a:r>
+            <a:r>
+              <a:rPr lang="en-US" sz="1800" b="0" i="0" dirty="0">
+                <a:solidFill>
+                  <a:srgbClr val="2C2F34"/>
+                </a:solidFill>
+                <a:effectLst/>
+                <a:latin typeface="Bookman Old Style" panose="02050604050505020204" pitchFamily="18" charset="0"/>
+              </a:rPr>
+              <a:t>he data is cleaned thoroughly for high-quality analysis. Null values will have to be changed, and the formatting will be standardized in order to make the data of higher quality.</a:t>
+            </a:r>
+          </a:p>
+          <a:p>
+            <a:pPr lvl="1">
+              <a:lnSpc>
+                <a:spcPct val="110000"/>
+              </a:lnSpc>
+              <a:spcAft>
+                <a:spcPts val="100"/>
+              </a:spcAft>
+            </a:pPr>
+            <a:r>
+              <a:rPr lang="en-US" sz="1800" dirty="0">
+                <a:solidFill>
+                  <a:srgbClr val="2C2F34"/>
+                </a:solidFill>
+                <a:latin typeface="Bookman Old Style" panose="02050604050505020204" pitchFamily="18" charset="0"/>
+              </a:rPr>
+              <a:t>In our project we find out the number of null values and columns having null values, these null value are either removed or changed with the mean/ median / mode of the column they belong.</a:t>
+            </a:r>
+          </a:p>
+          <a:p>
+            <a:pPr lvl="1">
+              <a:lnSpc>
+                <a:spcPct val="110000"/>
+              </a:lnSpc>
+              <a:spcAft>
+                <a:spcPts val="100"/>
+              </a:spcAft>
+            </a:pPr>
+            <a:r>
+              <a:rPr lang="en-US" sz="1800" dirty="0">
+                <a:solidFill>
+                  <a:srgbClr val="2C2F34"/>
+                </a:solidFill>
+                <a:latin typeface="Bookman Old Style" panose="02050604050505020204" pitchFamily="18" charset="0"/>
+              </a:rPr>
+              <a:t>We changed the representation of Malignant and Benign to 0  and 1 to ease our further process</a:t>
+            </a:r>
+            <a:r>
+              <a:rPr lang="en-US" sz="1800" dirty="0">
+                <a:solidFill>
+                  <a:srgbClr val="2C2F34"/>
+                </a:solidFill>
+                <a:latin typeface="-apple-system"/>
+              </a:rPr>
+              <a:t>.</a:t>
+            </a:r>
+          </a:p>
+          <a:p>
+            <a:pPr lvl="1"/>
+            <a:endParaRPr lang="en-IN" dirty="0"/>
+          </a:p>
+        </p:txBody>
+      </p:sp>
+      <p:sp>
+        <p:nvSpPr>
+          <p:cNvPr id="4" name="Slide Number Placeholder 3">
+            <a:extLst>
+              <a:ext uri="{FF2B5EF4-FFF2-40B4-BE49-F238E27FC236}">
+                <a16:creationId xmlns:a16="http://schemas.microsoft.com/office/drawing/2014/main" id="{7ADDB252-D5B1-4584-B3EB-5075B6272EAC}"/>
+              </a:ext>
+            </a:extLst>
+          </p:cNvPr>
+          <p:cNvSpPr>
+            <a:spLocks noGrp="1"/>
+          </p:cNvSpPr>
+          <p:nvPr>
+            <p:ph type="sldNum" sz="quarter" idx="12"/>
+          </p:nvPr>
+        </p:nvSpPr>
+        <p:spPr/>
+        <p:txBody>
+          <a:bodyPr/>
+          <a:lstStyle/>
+          <a:p>
+            <a:fld id="{BFDB0D58-5588-4192-AAFD-61E16FB7490D}" type="slidenum">
+              <a:rPr lang="en-IN" smtClean="0"/>
+              <a:t>19</a:t>
+            </a:fld>
+            <a:endParaRPr lang="en-IN"/>
+          </a:p>
+        </p:txBody>
+      </p:sp>
+    </p:spTree>
+    <p:extLst>
+      <p:ext uri="{BB962C8B-B14F-4D97-AF65-F5344CB8AC3E}">
+        <p14:creationId xmlns:p14="http://schemas.microsoft.com/office/powerpoint/2010/main" val="1594566351"/>
+      </p:ext>
+    </p:extLst>
+  </p:cSld>
+  <p:clrMapOvr>
+    <a:masterClrMapping/>
+  </p:clrMapOvr>
+</p:sld>
+</file>
+
+<file path=ppt/slides/slide2.xml><?xml version="1.0" encoding="utf-8"?>
+<p:sld xmlns:a="http://schemas.openxmlformats.org/drawingml/2006/main" xmlns:r="http://schemas.openxmlformats.org/officeDocument/2006/relationships" xmlns:p="http://schemas.openxmlformats.org/presentationml/2006/main">
+  <p:cSld>
+    <p:spTree>
+      <p:nvGrpSpPr>
+        <p:cNvPr id="1" name=""/>
+        <p:cNvGrpSpPr/>
+        <p:nvPr/>
+      </p:nvGrpSpPr>
+      <p:grpSpPr>
+        <a:xfrm>
+          <a:off x="0" y="0"/>
+          <a:ext cx="0" cy="0"/>
+          <a:chOff x="0" y="0"/>
+          <a:chExt cx="0" cy="0"/>
+        </a:xfrm>
+      </p:grpSpPr>
+      <p:sp>
+        <p:nvSpPr>
+          <p:cNvPr id="2" name="TextBox 1">
+            <a:extLst>
+              <a:ext uri="{FF2B5EF4-FFF2-40B4-BE49-F238E27FC236}">
+                <a16:creationId xmlns:a16="http://schemas.microsoft.com/office/drawing/2014/main" id="{12BAD5AF-0CA1-4C69-A832-968A495DE8BC}"/>
+              </a:ext>
+            </a:extLst>
+          </p:cNvPr>
+          <p:cNvSpPr txBox="1"/>
+          <p:nvPr/>
+        </p:nvSpPr>
+        <p:spPr>
+          <a:xfrm>
+            <a:off x="712177" y="800100"/>
+            <a:ext cx="5591908" cy="707886"/>
+          </a:xfrm>
+          <a:prstGeom prst="rect">
+            <a:avLst/>
+          </a:prstGeom>
+          <a:noFill/>
+        </p:spPr>
+        <p:txBody>
+          <a:bodyPr wrap="square" rtlCol="0">
+            <a:spAutoFit/>
+          </a:bodyPr>
+          <a:lstStyle/>
+          <a:p>
+            <a:r>
+              <a:rPr lang="en-IN" sz="4000" dirty="0">
+                <a:latin typeface="Arial Black" panose="020B0A04020102020204" pitchFamily="34" charset="0"/>
+              </a:rPr>
+              <a:t>Team Members</a:t>
+            </a:r>
+          </a:p>
+        </p:txBody>
+      </p:sp>
+      <p:sp>
+        <p:nvSpPr>
+          <p:cNvPr id="5" name="TextBox 4">
+            <a:extLst>
+              <a:ext uri="{FF2B5EF4-FFF2-40B4-BE49-F238E27FC236}">
+                <a16:creationId xmlns:a16="http://schemas.microsoft.com/office/drawing/2014/main" id="{FB4B1D9B-C1A4-422A-9165-CD50CB304A96}"/>
+              </a:ext>
+            </a:extLst>
+          </p:cNvPr>
+          <p:cNvSpPr txBox="1"/>
+          <p:nvPr/>
+        </p:nvSpPr>
+        <p:spPr>
+          <a:xfrm>
+            <a:off x="712177" y="1784839"/>
+            <a:ext cx="8458200" cy="1815882"/>
+          </a:xfrm>
+          <a:prstGeom prst="rect">
+            <a:avLst/>
+          </a:prstGeom>
+          <a:noFill/>
+        </p:spPr>
+        <p:txBody>
+          <a:bodyPr wrap="square" rtlCol="0">
+            <a:spAutoFit/>
+          </a:bodyPr>
+          <a:lstStyle/>
+          <a:p>
+            <a:r>
+              <a:rPr lang="en-IN" sz="2800" dirty="0"/>
+              <a:t>19BAI10013                      Rahul Raj Pandey </a:t>
+            </a:r>
+          </a:p>
+          <a:p>
+            <a:r>
+              <a:rPr lang="en-IN" sz="2800" dirty="0"/>
+              <a:t>19BAI10105                      Rahul Bhardwaj</a:t>
+            </a:r>
+          </a:p>
+          <a:p>
+            <a:r>
+              <a:rPr lang="en-IN" sz="2800" dirty="0"/>
+              <a:t>19BAI10119                      Sidhya Virya Singh</a:t>
+            </a:r>
+          </a:p>
+          <a:p>
+            <a:r>
+              <a:rPr lang="en-IN" sz="2800" dirty="0"/>
+              <a:t>19BAI10121                      Siddhartha S. Mukherjee</a:t>
+            </a:r>
+          </a:p>
+        </p:txBody>
+      </p:sp>
+      <p:sp>
+        <p:nvSpPr>
+          <p:cNvPr id="6" name="TextBox 5">
+            <a:extLst>
+              <a:ext uri="{FF2B5EF4-FFF2-40B4-BE49-F238E27FC236}">
+                <a16:creationId xmlns:a16="http://schemas.microsoft.com/office/drawing/2014/main" id="{4653FFC4-DFE4-4EEF-8C1C-9BCDE65C7554}"/>
+              </a:ext>
+            </a:extLst>
+          </p:cNvPr>
+          <p:cNvSpPr txBox="1"/>
+          <p:nvPr/>
+        </p:nvSpPr>
+        <p:spPr>
+          <a:xfrm>
+            <a:off x="712177" y="4466492"/>
+            <a:ext cx="4545623" cy="646331"/>
+          </a:xfrm>
+          <a:prstGeom prst="rect">
+            <a:avLst/>
+          </a:prstGeom>
+          <a:noFill/>
+        </p:spPr>
+        <p:txBody>
+          <a:bodyPr wrap="square" rtlCol="0">
+            <a:spAutoFit/>
+          </a:bodyPr>
+          <a:lstStyle/>
+          <a:p>
+            <a:r>
+              <a:rPr lang="en-IN" sz="3600" b="1" dirty="0">
+                <a:latin typeface="Arial Black" panose="020B0A04020102020204" pitchFamily="34" charset="0"/>
+              </a:rPr>
+              <a:t>Project Guide</a:t>
+            </a:r>
+          </a:p>
+        </p:txBody>
+      </p:sp>
+      <p:sp>
+        <p:nvSpPr>
+          <p:cNvPr id="7" name="TextBox 6">
+            <a:extLst>
+              <a:ext uri="{FF2B5EF4-FFF2-40B4-BE49-F238E27FC236}">
+                <a16:creationId xmlns:a16="http://schemas.microsoft.com/office/drawing/2014/main" id="{DE6E9BE7-D59C-473F-BBAF-C15C7C213CD0}"/>
+              </a:ext>
+            </a:extLst>
+          </p:cNvPr>
+          <p:cNvSpPr txBox="1"/>
+          <p:nvPr/>
+        </p:nvSpPr>
+        <p:spPr>
+          <a:xfrm>
+            <a:off x="993531" y="5563095"/>
+            <a:ext cx="8176846" cy="830997"/>
+          </a:xfrm>
+          <a:prstGeom prst="rect">
+            <a:avLst/>
+          </a:prstGeom>
+          <a:noFill/>
+        </p:spPr>
+        <p:txBody>
+          <a:bodyPr wrap="square" rtlCol="0">
+            <a:spAutoFit/>
+          </a:bodyPr>
+          <a:lstStyle/>
+          <a:p>
+            <a:r>
+              <a:rPr lang="en-IN" sz="2400" b="1" i="0" dirty="0">
+                <a:effectLst/>
+                <a:latin typeface="Segoe UI" panose="020B0502040204020203" pitchFamily="34" charset="0"/>
+              </a:rPr>
+              <a:t>100215                                 </a:t>
+            </a:r>
+            <a:r>
+              <a:rPr lang="en-IN" sz="2400" b="1" dirty="0"/>
+              <a:t>Dr. L Shakeera</a:t>
+            </a:r>
+          </a:p>
+          <a:p>
+            <a:r>
+              <a:rPr lang="en-IN" sz="2400" b="1" dirty="0"/>
+              <a:t>                                             </a:t>
+            </a:r>
+            <a:r>
+              <a:rPr lang="en-IN" sz="2000" dirty="0"/>
+              <a:t>Senior Assistant Professor, SCSE</a:t>
+            </a:r>
+          </a:p>
+        </p:txBody>
+      </p:sp>
+      <p:sp>
+        <p:nvSpPr>
+          <p:cNvPr id="3" name="Slide Number Placeholder 2">
+            <a:extLst>
+              <a:ext uri="{FF2B5EF4-FFF2-40B4-BE49-F238E27FC236}">
+                <a16:creationId xmlns:a16="http://schemas.microsoft.com/office/drawing/2014/main" id="{285849BB-2C53-47A8-9802-288756DE6ADE}"/>
+              </a:ext>
+            </a:extLst>
+          </p:cNvPr>
+          <p:cNvSpPr>
+            <a:spLocks noGrp="1"/>
+          </p:cNvSpPr>
+          <p:nvPr>
+            <p:ph type="sldNum" sz="quarter" idx="12"/>
+          </p:nvPr>
+        </p:nvSpPr>
+        <p:spPr/>
+        <p:txBody>
+          <a:bodyPr/>
+          <a:lstStyle/>
+          <a:p>
+            <a:fld id="{BFDB0D58-5588-4192-AAFD-61E16FB7490D}" type="slidenum">
+              <a:rPr lang="en-IN" smtClean="0"/>
+              <a:t>2</a:t>
+            </a:fld>
+            <a:endParaRPr lang="en-IN"/>
+          </a:p>
+        </p:txBody>
+      </p:sp>
+    </p:spTree>
+    <p:extLst>
+      <p:ext uri="{BB962C8B-B14F-4D97-AF65-F5344CB8AC3E}">
+        <p14:creationId xmlns:p14="http://schemas.microsoft.com/office/powerpoint/2010/main" val="2495593950"/>
+      </p:ext>
+    </p:extLst>
+  </p:cSld>
+  <p:clrMapOvr>
+    <a:masterClrMapping/>
+  </p:clrMapOvr>
+</p:sld>
+</file>
+
+<file path=ppt/slides/slide20.xml><?xml version="1.0" encoding="utf-8"?>
+<p:sld xmlns:a="http://schemas.openxmlformats.org/drawingml/2006/main" xmlns:r="http://schemas.openxmlformats.org/officeDocument/2006/relationships" xmlns:p="http://schemas.openxmlformats.org/presentationml/2006/main">
+  <p:cSld>
+    <p:spTree>
+      <p:nvGrpSpPr>
+        <p:cNvPr id="1" name=""/>
+        <p:cNvGrpSpPr/>
+        <p:nvPr/>
+      </p:nvGrpSpPr>
+      <p:grpSpPr>
+        <a:xfrm>
+          <a:off x="0" y="0"/>
+          <a:ext cx="0" cy="0"/>
+          <a:chOff x="0" y="0"/>
+          <a:chExt cx="0" cy="0"/>
+        </a:xfrm>
+      </p:grpSpPr>
+      <p:sp>
+        <p:nvSpPr>
+          <p:cNvPr id="2" name="Title 1">
+            <a:extLst>
+              <a:ext uri="{FF2B5EF4-FFF2-40B4-BE49-F238E27FC236}">
+                <a16:creationId xmlns:a16="http://schemas.microsoft.com/office/drawing/2014/main" id="{E9477F24-A209-43A9-B078-821961DF2C87}"/>
+              </a:ext>
+            </a:extLst>
+          </p:cNvPr>
+          <p:cNvSpPr>
+            <a:spLocks noGrp="1"/>
+          </p:cNvSpPr>
+          <p:nvPr>
+            <p:ph type="title"/>
+          </p:nvPr>
+        </p:nvSpPr>
+        <p:spPr/>
+        <p:txBody>
+          <a:bodyPr/>
+          <a:lstStyle/>
+          <a:p>
+            <a:r>
+              <a:rPr lang="en-IN" sz="4400" dirty="0"/>
+              <a:t>Implementation And Coding </a:t>
+            </a:r>
+          </a:p>
+        </p:txBody>
+      </p:sp>
+      <p:sp>
+        <p:nvSpPr>
+          <p:cNvPr id="3" name="Content Placeholder 2">
+            <a:extLst>
+              <a:ext uri="{FF2B5EF4-FFF2-40B4-BE49-F238E27FC236}">
+                <a16:creationId xmlns:a16="http://schemas.microsoft.com/office/drawing/2014/main" id="{5480704A-EA23-4FD0-94DB-D06E17EC4A35}"/>
+              </a:ext>
+            </a:extLst>
+          </p:cNvPr>
+          <p:cNvSpPr>
+            <a:spLocks noGrp="1"/>
+          </p:cNvSpPr>
+          <p:nvPr>
+            <p:ph idx="1"/>
+          </p:nvPr>
+        </p:nvSpPr>
+        <p:spPr>
+          <a:xfrm>
+            <a:off x="453914" y="2378283"/>
+            <a:ext cx="7601530" cy="3416300"/>
+          </a:xfrm>
+        </p:spPr>
+        <p:txBody>
+          <a:bodyPr/>
+          <a:lstStyle/>
+          <a:p>
+            <a:r>
+              <a:rPr lang="en-IN" sz="2000" dirty="0">
+                <a:latin typeface="Bookman Old Style" panose="02050604050505020204" pitchFamily="18" charset="0"/>
+              </a:rPr>
+              <a:t>We first try to Visualize our attributes to get insights on our datasets and which attribute will affect the predictions.</a:t>
+            </a:r>
+          </a:p>
+          <a:p>
+            <a:pPr marL="0" indent="0">
+              <a:buNone/>
+            </a:pPr>
+            <a:endParaRPr lang="en-IN" sz="2000" dirty="0">
+              <a:latin typeface="Bookman Old Style" panose="02050604050505020204" pitchFamily="18" charset="0"/>
+            </a:endParaRPr>
+          </a:p>
+          <a:p>
+            <a:r>
+              <a:rPr lang="en-IN" sz="2000" dirty="0">
+                <a:latin typeface="Bookman Old Style" panose="02050604050505020204" pitchFamily="18" charset="0"/>
+              </a:rPr>
+              <a:t>To do this we will plot various graphs regarding correlations of attributes .</a:t>
+            </a:r>
+          </a:p>
+          <a:p>
+            <a:pPr marL="0" indent="0">
+              <a:buNone/>
+            </a:pPr>
+            <a:endParaRPr lang="en-IN" sz="2000" dirty="0">
+              <a:latin typeface="Bookman Old Style" panose="02050604050505020204" pitchFamily="18" charset="0"/>
+            </a:endParaRPr>
+          </a:p>
+          <a:p>
+            <a:r>
+              <a:rPr lang="en-IN" sz="2000" dirty="0">
+                <a:latin typeface="Bookman Old Style" panose="02050604050505020204" pitchFamily="18" charset="0"/>
+              </a:rPr>
+              <a:t>Then we will divide our dataset in testing and training set for training and testing of model </a:t>
+            </a:r>
+          </a:p>
+          <a:p>
+            <a:endParaRPr lang="en-IN" dirty="0"/>
+          </a:p>
+        </p:txBody>
+      </p:sp>
+      <p:sp>
+        <p:nvSpPr>
+          <p:cNvPr id="4" name="Slide Number Placeholder 3">
+            <a:extLst>
+              <a:ext uri="{FF2B5EF4-FFF2-40B4-BE49-F238E27FC236}">
+                <a16:creationId xmlns:a16="http://schemas.microsoft.com/office/drawing/2014/main" id="{73177340-5315-4EB9-A92D-9E3944308449}"/>
+              </a:ext>
+            </a:extLst>
+          </p:cNvPr>
+          <p:cNvSpPr>
+            <a:spLocks noGrp="1"/>
+          </p:cNvSpPr>
+          <p:nvPr>
+            <p:ph type="sldNum" sz="quarter" idx="12"/>
+          </p:nvPr>
+        </p:nvSpPr>
+        <p:spPr/>
+        <p:txBody>
+          <a:bodyPr/>
+          <a:lstStyle/>
+          <a:p>
+            <a:fld id="{BFDB0D58-5588-4192-AAFD-61E16FB7490D}" type="slidenum">
+              <a:rPr lang="en-IN" smtClean="0"/>
+              <a:t>20</a:t>
+            </a:fld>
+            <a:endParaRPr lang="en-IN"/>
+          </a:p>
+        </p:txBody>
+      </p:sp>
+      <p:pic>
+        <p:nvPicPr>
+          <p:cNvPr id="8" name="Picture 7">
+            <a:extLst>
+              <a:ext uri="{FF2B5EF4-FFF2-40B4-BE49-F238E27FC236}">
+                <a16:creationId xmlns:a16="http://schemas.microsoft.com/office/drawing/2014/main" id="{1A963786-AA53-4027-B996-5167744FA48E}"/>
+              </a:ext>
+            </a:extLst>
+          </p:cNvPr>
+          <p:cNvPicPr>
+            <a:picLocks noChangeAspect="1"/>
+          </p:cNvPicPr>
+          <p:nvPr/>
+        </p:nvPicPr>
+        <p:blipFill rotWithShape="1">
+          <a:blip r:embed="rId2"/>
+          <a:srcRect r="9801"/>
+          <a:stretch/>
+        </p:blipFill>
+        <p:spPr>
+          <a:xfrm>
+            <a:off x="8055444" y="2378283"/>
+            <a:ext cx="3922996" cy="3416300"/>
+          </a:xfrm>
+          <a:prstGeom prst="rect">
+            <a:avLst/>
+          </a:prstGeom>
+        </p:spPr>
+      </p:pic>
+    </p:spTree>
+    <p:extLst>
+      <p:ext uri="{BB962C8B-B14F-4D97-AF65-F5344CB8AC3E}">
+        <p14:creationId xmlns:p14="http://schemas.microsoft.com/office/powerpoint/2010/main" val="1083763065"/>
+      </p:ext>
+    </p:extLst>
+  </p:cSld>
+  <p:clrMapOvr>
+    <a:masterClrMapping/>
+  </p:clrMapOvr>
+</p:sld>
+</file>
+
+<file path=ppt/slides/slide21.xml><?xml version="1.0" encoding="utf-8"?>
+<p:sld xmlns:a="http://schemas.openxmlformats.org/drawingml/2006/main" xmlns:r="http://schemas.openxmlformats.org/officeDocument/2006/relationships" xmlns:p="http://schemas.openxmlformats.org/presentationml/2006/main">
+  <p:cSld>
+    <p:spTree>
+      <p:nvGrpSpPr>
+        <p:cNvPr id="1" name=""/>
+        <p:cNvGrpSpPr/>
+        <p:nvPr/>
+      </p:nvGrpSpPr>
+      <p:grpSpPr>
+        <a:xfrm>
+          <a:off x="0" y="0"/>
+          <a:ext cx="0" cy="0"/>
+          <a:chOff x="0" y="0"/>
+          <a:chExt cx="0" cy="0"/>
+        </a:xfrm>
+      </p:grpSpPr>
+      <p:sp>
+        <p:nvSpPr>
+          <p:cNvPr id="2" name="Title 1">
+            <a:extLst>
+              <a:ext uri="{FF2B5EF4-FFF2-40B4-BE49-F238E27FC236}">
+                <a16:creationId xmlns:a16="http://schemas.microsoft.com/office/drawing/2014/main" id="{C411211C-7BF3-48D6-96A6-24913F889B80}"/>
+              </a:ext>
+            </a:extLst>
+          </p:cNvPr>
+          <p:cNvSpPr>
+            <a:spLocks noGrp="1"/>
+          </p:cNvSpPr>
+          <p:nvPr>
+            <p:ph type="title"/>
+          </p:nvPr>
+        </p:nvSpPr>
+        <p:spPr/>
+        <p:txBody>
+          <a:bodyPr/>
+          <a:lstStyle/>
+          <a:p>
+            <a:r>
+              <a:rPr lang="en-IN" sz="5400" dirty="0"/>
+              <a:t>Coding</a:t>
+            </a:r>
+          </a:p>
+        </p:txBody>
+      </p:sp>
+      <p:sp>
+        <p:nvSpPr>
+          <p:cNvPr id="5" name="Content Placeholder 4">
+            <a:extLst>
+              <a:ext uri="{FF2B5EF4-FFF2-40B4-BE49-F238E27FC236}">
+                <a16:creationId xmlns:a16="http://schemas.microsoft.com/office/drawing/2014/main" id="{06C26981-52E4-4150-9880-0DBCA7A7E793}"/>
+              </a:ext>
+            </a:extLst>
+          </p:cNvPr>
+          <p:cNvSpPr>
+            <a:spLocks noGrp="1"/>
+          </p:cNvSpPr>
+          <p:nvPr>
+            <p:ph idx="1"/>
+          </p:nvPr>
+        </p:nvSpPr>
+        <p:spPr>
+          <a:xfrm>
+            <a:off x="450733" y="2335952"/>
+            <a:ext cx="6830806" cy="3404448"/>
+          </a:xfrm>
+        </p:spPr>
+        <p:txBody>
+          <a:bodyPr>
+            <a:normAutofit/>
+          </a:bodyPr>
+          <a:lstStyle/>
+          <a:p>
+            <a:pPr marL="0" indent="0">
+              <a:buNone/>
+            </a:pPr>
+            <a:r>
+              <a:rPr lang="en-IN" dirty="0">
+                <a:latin typeface="Bookman Old Style" panose="02050604050505020204" pitchFamily="18" charset="0"/>
+              </a:rPr>
+              <a:t>Using required python modules like </a:t>
+            </a:r>
+            <a:r>
+              <a:rPr lang="en-IN" b="1" dirty="0">
+                <a:latin typeface="Bookman Old Style" panose="02050604050505020204" pitchFamily="18" charset="0"/>
+              </a:rPr>
+              <a:t>pandas</a:t>
+            </a:r>
+            <a:r>
+              <a:rPr lang="en-IN" dirty="0">
+                <a:latin typeface="Bookman Old Style" panose="02050604050505020204" pitchFamily="18" charset="0"/>
+              </a:rPr>
+              <a:t> , </a:t>
+            </a:r>
+            <a:r>
+              <a:rPr lang="en-IN" b="1" dirty="0">
+                <a:latin typeface="Bookman Old Style" panose="02050604050505020204" pitchFamily="18" charset="0"/>
+              </a:rPr>
+              <a:t>numpy </a:t>
+            </a:r>
+            <a:r>
+              <a:rPr lang="en-IN" dirty="0">
+                <a:latin typeface="Bookman Old Style" panose="02050604050505020204" pitchFamily="18" charset="0"/>
+              </a:rPr>
+              <a:t>for making data frame from dataset and using </a:t>
+            </a:r>
+            <a:r>
+              <a:rPr lang="en-IN" b="1" dirty="0">
+                <a:latin typeface="Bookman Old Style" panose="02050604050505020204" pitchFamily="18" charset="0"/>
+              </a:rPr>
+              <a:t>matplotlib</a:t>
+            </a:r>
+            <a:r>
+              <a:rPr lang="en-IN" dirty="0">
+                <a:latin typeface="Bookman Old Style" panose="02050604050505020204" pitchFamily="18" charset="0"/>
+              </a:rPr>
+              <a:t> and </a:t>
+            </a:r>
+            <a:r>
+              <a:rPr lang="en-IN" b="1" dirty="0">
+                <a:latin typeface="Bookman Old Style" panose="02050604050505020204" pitchFamily="18" charset="0"/>
+              </a:rPr>
+              <a:t>seaborn </a:t>
+            </a:r>
+            <a:r>
+              <a:rPr lang="en-IN" dirty="0">
+                <a:latin typeface="Bookman Old Style" panose="02050604050505020204" pitchFamily="18" charset="0"/>
+              </a:rPr>
+              <a:t>for Visualization and </a:t>
+            </a:r>
+            <a:r>
+              <a:rPr lang="en-IN" b="1" dirty="0">
+                <a:latin typeface="Bookman Old Style" panose="02050604050505020204" pitchFamily="18" charset="0"/>
+              </a:rPr>
+              <a:t>sklearn</a:t>
+            </a:r>
+            <a:r>
+              <a:rPr lang="en-IN" dirty="0">
+                <a:latin typeface="Bookman Old Style" panose="02050604050505020204" pitchFamily="18" charset="0"/>
+              </a:rPr>
+              <a:t> for model building.</a:t>
+            </a:r>
+          </a:p>
+        </p:txBody>
+      </p:sp>
+      <p:sp>
+        <p:nvSpPr>
+          <p:cNvPr id="4" name="Slide Number Placeholder 3">
+            <a:extLst>
+              <a:ext uri="{FF2B5EF4-FFF2-40B4-BE49-F238E27FC236}">
+                <a16:creationId xmlns:a16="http://schemas.microsoft.com/office/drawing/2014/main" id="{06F6F6FA-8A3C-439D-AF46-B57D86090F40}"/>
+              </a:ext>
+            </a:extLst>
+          </p:cNvPr>
+          <p:cNvSpPr>
+            <a:spLocks noGrp="1"/>
+          </p:cNvSpPr>
+          <p:nvPr>
+            <p:ph type="sldNum" sz="quarter" idx="12"/>
+          </p:nvPr>
+        </p:nvSpPr>
+        <p:spPr/>
+        <p:txBody>
+          <a:bodyPr/>
+          <a:lstStyle/>
+          <a:p>
+            <a:fld id="{BFDB0D58-5588-4192-AAFD-61E16FB7490D}" type="slidenum">
+              <a:rPr lang="en-IN" smtClean="0"/>
+              <a:t>21</a:t>
+            </a:fld>
+            <a:endParaRPr lang="en-IN"/>
+          </a:p>
+        </p:txBody>
+      </p:sp>
+      <p:pic>
+        <p:nvPicPr>
+          <p:cNvPr id="7" name="Picture 6">
+            <a:extLst>
+              <a:ext uri="{FF2B5EF4-FFF2-40B4-BE49-F238E27FC236}">
+                <a16:creationId xmlns:a16="http://schemas.microsoft.com/office/drawing/2014/main" id="{0C36D9CF-3510-4399-B3D2-58EFB30DA299}"/>
+              </a:ext>
+            </a:extLst>
+          </p:cNvPr>
+          <p:cNvPicPr>
+            <a:picLocks noChangeAspect="1"/>
+          </p:cNvPicPr>
+          <p:nvPr/>
+        </p:nvPicPr>
+        <p:blipFill>
+          <a:blip r:embed="rId2"/>
+          <a:stretch>
+            <a:fillRect/>
+          </a:stretch>
+        </p:blipFill>
+        <p:spPr>
+          <a:xfrm>
+            <a:off x="193040" y="3683880"/>
+            <a:ext cx="6035040" cy="2056520"/>
+          </a:xfrm>
+          <a:prstGeom prst="rect">
+            <a:avLst/>
+          </a:prstGeom>
+          <a:ln w="12700">
+            <a:solidFill>
+              <a:schemeClr val="accent1">
+                <a:lumMod val="60000"/>
+                <a:lumOff val="40000"/>
+              </a:schemeClr>
+            </a:solidFill>
+          </a:ln>
+          <a:effectLst>
+            <a:glow rad="63500">
+              <a:schemeClr val="accent1">
+                <a:satMod val="175000"/>
+                <a:alpha val="40000"/>
+              </a:schemeClr>
+            </a:glow>
+          </a:effectLst>
+        </p:spPr>
+      </p:pic>
+      <p:pic>
+        <p:nvPicPr>
+          <p:cNvPr id="9" name="Picture 8">
+            <a:extLst>
+              <a:ext uri="{FF2B5EF4-FFF2-40B4-BE49-F238E27FC236}">
+                <a16:creationId xmlns:a16="http://schemas.microsoft.com/office/drawing/2014/main" id="{81E94E83-217C-4CB4-9101-7344F46C5212}"/>
+              </a:ext>
+            </a:extLst>
+          </p:cNvPr>
+          <p:cNvPicPr>
+            <a:picLocks noChangeAspect="1"/>
+          </p:cNvPicPr>
+          <p:nvPr/>
+        </p:nvPicPr>
+        <p:blipFill>
+          <a:blip r:embed="rId3"/>
+          <a:stretch>
+            <a:fillRect/>
+          </a:stretch>
+        </p:blipFill>
+        <p:spPr>
+          <a:xfrm>
+            <a:off x="867827" y="5884332"/>
+            <a:ext cx="6035039" cy="908075"/>
+          </a:xfrm>
+          <a:prstGeom prst="rect">
+            <a:avLst/>
+          </a:prstGeom>
+          <a:ln w="12700">
+            <a:solidFill>
+              <a:schemeClr val="accent1">
+                <a:lumMod val="60000"/>
+                <a:lumOff val="40000"/>
+              </a:schemeClr>
+            </a:solidFill>
+          </a:ln>
+          <a:effectLst>
+            <a:glow rad="63500">
+              <a:schemeClr val="accent1">
+                <a:satMod val="175000"/>
+                <a:alpha val="40000"/>
+              </a:schemeClr>
+            </a:glow>
+          </a:effectLst>
+        </p:spPr>
+      </p:pic>
+      <p:pic>
+        <p:nvPicPr>
+          <p:cNvPr id="11" name="Picture 10">
+            <a:extLst>
+              <a:ext uri="{FF2B5EF4-FFF2-40B4-BE49-F238E27FC236}">
+                <a16:creationId xmlns:a16="http://schemas.microsoft.com/office/drawing/2014/main" id="{8A3D9666-A11D-4F8C-9554-83FB4FC082CA}"/>
+              </a:ext>
+            </a:extLst>
+          </p:cNvPr>
+          <p:cNvPicPr>
+            <a:picLocks noChangeAspect="1"/>
+          </p:cNvPicPr>
+          <p:nvPr/>
+        </p:nvPicPr>
+        <p:blipFill>
+          <a:blip r:embed="rId4"/>
+          <a:stretch>
+            <a:fillRect/>
+          </a:stretch>
+        </p:blipFill>
+        <p:spPr>
+          <a:xfrm>
+            <a:off x="7281540" y="2335952"/>
+            <a:ext cx="4808860" cy="4443132"/>
+          </a:xfrm>
+          <a:prstGeom prst="rect">
+            <a:avLst/>
+          </a:prstGeom>
+          <a:ln w="12700">
+            <a:solidFill>
+              <a:schemeClr val="accent1">
+                <a:lumMod val="60000"/>
+                <a:lumOff val="40000"/>
+              </a:schemeClr>
+            </a:solidFill>
+          </a:ln>
+          <a:effectLst>
+            <a:glow rad="63500">
+              <a:schemeClr val="accent2">
+                <a:satMod val="175000"/>
+                <a:alpha val="40000"/>
+              </a:schemeClr>
+            </a:glow>
+          </a:effectLst>
+        </p:spPr>
+      </p:pic>
+    </p:spTree>
+    <p:extLst>
+      <p:ext uri="{BB962C8B-B14F-4D97-AF65-F5344CB8AC3E}">
+        <p14:creationId xmlns:p14="http://schemas.microsoft.com/office/powerpoint/2010/main" val="1084847771"/>
+      </p:ext>
+    </p:extLst>
+  </p:cSld>
+  <p:clrMapOvr>
+    <a:masterClrMapping/>
+  </p:clrMapOvr>
+</p:sld>
+</file>
+
+<file path=ppt/slides/slide22.xml><?xml version="1.0" encoding="utf-8"?>
+<p:sld xmlns:a="http://schemas.openxmlformats.org/drawingml/2006/main" xmlns:r="http://schemas.openxmlformats.org/officeDocument/2006/relationships" xmlns:p="http://schemas.openxmlformats.org/presentationml/2006/main">
+  <p:cSld>
+    <p:spTree>
+      <p:nvGrpSpPr>
+        <p:cNvPr id="1" name=""/>
+        <p:cNvGrpSpPr/>
+        <p:nvPr/>
+      </p:nvGrpSpPr>
+      <p:grpSpPr>
+        <a:xfrm>
+          <a:off x="0" y="0"/>
+          <a:ext cx="0" cy="0"/>
+          <a:chOff x="0" y="0"/>
+          <a:chExt cx="0" cy="0"/>
+        </a:xfrm>
+      </p:grpSpPr>
+      <p:sp>
+        <p:nvSpPr>
+          <p:cNvPr id="5" name="Title 4">
+            <a:extLst>
+              <a:ext uri="{FF2B5EF4-FFF2-40B4-BE49-F238E27FC236}">
+                <a16:creationId xmlns:a16="http://schemas.microsoft.com/office/drawing/2014/main" id="{8FFE0562-7127-4B16-BC5E-3725BF0C0676}"/>
+              </a:ext>
+            </a:extLst>
+          </p:cNvPr>
+          <p:cNvSpPr>
+            <a:spLocks noGrp="1"/>
+          </p:cNvSpPr>
+          <p:nvPr>
+            <p:ph type="ctrTitle"/>
+          </p:nvPr>
+        </p:nvSpPr>
+        <p:spPr/>
+        <p:txBody>
+          <a:bodyPr/>
+          <a:lstStyle/>
+          <a:p>
+            <a:r>
+              <a:rPr lang="en-IN" sz="8800" dirty="0">
+                <a:effectLst>
+                  <a:outerShdw blurRad="50800" dist="38100" dir="18900000" algn="bl" rotWithShape="0">
+                    <a:prstClr val="black">
+                      <a:alpha val="40000"/>
+                    </a:prstClr>
+                  </a:outerShdw>
+                </a:effectLst>
+              </a:rPr>
+              <a:t>SNAPSHOTS</a:t>
+            </a:r>
+            <a:r>
+              <a:rPr lang="en-IN" sz="8800" dirty="0"/>
+              <a:t> </a:t>
+            </a:r>
+          </a:p>
+        </p:txBody>
+      </p:sp>
+      <p:sp>
+        <p:nvSpPr>
+          <p:cNvPr id="6" name="Text Placeholder 5">
+            <a:extLst>
+              <a:ext uri="{FF2B5EF4-FFF2-40B4-BE49-F238E27FC236}">
+                <a16:creationId xmlns:a16="http://schemas.microsoft.com/office/drawing/2014/main" id="{FD8AF124-D60D-453F-9AC9-755DE3F29AB2}"/>
+              </a:ext>
+            </a:extLst>
+          </p:cNvPr>
+          <p:cNvSpPr>
+            <a:spLocks noGrp="1"/>
+          </p:cNvSpPr>
+          <p:nvPr>
+            <p:ph type="subTitle" idx="1"/>
+          </p:nvPr>
+        </p:nvSpPr>
+        <p:spPr/>
+        <p:txBody>
+          <a:bodyPr>
+            <a:normAutofit/>
+          </a:bodyPr>
+          <a:lstStyle/>
+          <a:p>
+            <a:r>
+              <a:rPr lang="en-IN" sz="3600" b="1" dirty="0">
+                <a:ln w="12700">
+                  <a:solidFill>
+                    <a:schemeClr val="accent1"/>
+                  </a:solidFill>
+                  <a:prstDash val="solid"/>
+                </a:ln>
+                <a:pattFill prst="pct50">
+                  <a:fgClr>
+                    <a:schemeClr val="accent1"/>
+                  </a:fgClr>
+                  <a:bgClr>
+                    <a:schemeClr val="accent1">
+                      <a:lumMod val="20000"/>
+                      <a:lumOff val="80000"/>
+                    </a:schemeClr>
+                  </a:bgClr>
+                </a:pattFill>
+                <a:effectLst>
+                  <a:outerShdw dist="38100" dir="2640000" algn="bl" rotWithShape="0">
+                    <a:schemeClr val="accent1"/>
+                  </a:outerShdw>
+                </a:effectLst>
+                <a:latin typeface="Bookman Old Style" panose="02050604050505020204" pitchFamily="18" charset="0"/>
+              </a:rPr>
+              <a:t>of Our Project </a:t>
+            </a:r>
+          </a:p>
+        </p:txBody>
+      </p:sp>
+      <p:sp>
+        <p:nvSpPr>
+          <p:cNvPr id="4" name="Slide Number Placeholder 3">
+            <a:extLst>
+              <a:ext uri="{FF2B5EF4-FFF2-40B4-BE49-F238E27FC236}">
+                <a16:creationId xmlns:a16="http://schemas.microsoft.com/office/drawing/2014/main" id="{CF42F195-D981-42FE-9229-2C80CF4B90B2}"/>
+              </a:ext>
+            </a:extLst>
+          </p:cNvPr>
+          <p:cNvSpPr>
+            <a:spLocks noGrp="1"/>
+          </p:cNvSpPr>
+          <p:nvPr>
+            <p:ph type="sldNum" sz="quarter" idx="12"/>
+          </p:nvPr>
+        </p:nvSpPr>
+        <p:spPr/>
+        <p:txBody>
+          <a:bodyPr/>
+          <a:lstStyle/>
+          <a:p>
+            <a:fld id="{BFDB0D58-5588-4192-AAFD-61E16FB7490D}" type="slidenum">
+              <a:rPr lang="en-IN" smtClean="0"/>
+              <a:t>22</a:t>
+            </a:fld>
+            <a:endParaRPr lang="en-IN"/>
+          </a:p>
+        </p:txBody>
+      </p:sp>
+    </p:spTree>
+    <p:extLst>
+      <p:ext uri="{BB962C8B-B14F-4D97-AF65-F5344CB8AC3E}">
+        <p14:creationId xmlns:p14="http://schemas.microsoft.com/office/powerpoint/2010/main" val="3054572013"/>
+      </p:ext>
+    </p:extLst>
+  </p:cSld>
+  <p:clrMapOvr>
+    <a:masterClrMapping/>
+  </p:clrMapOvr>
+</p:sld>
+</file>
+
+<file path=ppt/slides/slide23.xml><?xml version="1.0" encoding="utf-8"?>
+<p:sld xmlns:a="http://schemas.openxmlformats.org/drawingml/2006/main" xmlns:r="http://schemas.openxmlformats.org/officeDocument/2006/relationships" xmlns:p="http://schemas.openxmlformats.org/presentationml/2006/main">
+  <p:cSld>
+    <p:bg>
+      <p:bgPr>
+        <a:blipFill>
+          <a:blip r:embed="rId2">
+            <a:extLst>
+              <a:ext uri="{BEBA8EAE-BF5A-486C-A8C5-ECC9F3942E4B}">
+                <a14:imgProps xmlns:a14="http://schemas.microsoft.com/office/drawing/2010/main">
+                  <a14:imgLayer r:embed="rId3">
+                    <a14:imgEffect>
+                      <a14:artisticPaintBrush/>
+                    </a14:imgEffect>
+                  </a14:imgLayer>
+                </a14:imgProps>
+              </a:ext>
+            </a:extLst>
+          </a:blip>
+          <a:tile tx="0" ty="0" sx="100000" sy="100000" flip="none" algn="tl"/>
+        </a:blipFill>
+        <a:effectLst/>
+      </p:bgPr>
+    </p:bg>
+    <p:spTree>
+      <p:nvGrpSpPr>
+        <p:cNvPr id="1" name=""/>
+        <p:cNvGrpSpPr/>
+        <p:nvPr/>
+      </p:nvGrpSpPr>
+      <p:grpSpPr>
+        <a:xfrm>
+          <a:off x="0" y="0"/>
+          <a:ext cx="0" cy="0"/>
+          <a:chOff x="0" y="0"/>
+          <a:chExt cx="0" cy="0"/>
+        </a:xfrm>
+      </p:grpSpPr>
+      <p:sp>
+        <p:nvSpPr>
+          <p:cNvPr id="4" name="Slide Number Placeholder 3">
+            <a:extLst>
+              <a:ext uri="{FF2B5EF4-FFF2-40B4-BE49-F238E27FC236}">
+                <a16:creationId xmlns:a16="http://schemas.microsoft.com/office/drawing/2014/main" id="{C3BE488E-5B81-43F4-B383-84A26F80168B}"/>
+              </a:ext>
+            </a:extLst>
+          </p:cNvPr>
+          <p:cNvSpPr>
+            <a:spLocks noGrp="1"/>
+          </p:cNvSpPr>
+          <p:nvPr>
+            <p:ph type="sldNum" sz="quarter" idx="12"/>
+          </p:nvPr>
+        </p:nvSpPr>
+        <p:spPr>
+          <a:xfrm>
+            <a:off x="10475632" y="-126303"/>
+            <a:ext cx="602675" cy="609879"/>
+          </a:xfrm>
+        </p:spPr>
+        <p:txBody>
+          <a:bodyPr/>
+          <a:lstStyle/>
+          <a:p>
+            <a:fld id="{BFDB0D58-5588-4192-AAFD-61E16FB7490D}" type="slidenum">
+              <a:rPr lang="en-IN" smtClean="0"/>
+              <a:t>23</a:t>
+            </a:fld>
+            <a:endParaRPr lang="en-IN" dirty="0"/>
+          </a:p>
+        </p:txBody>
+      </p:sp>
+      <p:pic>
+        <p:nvPicPr>
+          <p:cNvPr id="8" name="Picture 7">
+            <a:extLst>
+              <a:ext uri="{FF2B5EF4-FFF2-40B4-BE49-F238E27FC236}">
+                <a16:creationId xmlns:a16="http://schemas.microsoft.com/office/drawing/2014/main" id="{8D8D9CFD-CFB5-4B1D-96F8-CC22003B8E90}"/>
+              </a:ext>
+            </a:extLst>
+          </p:cNvPr>
+          <p:cNvPicPr>
+            <a:picLocks noChangeAspect="1"/>
+          </p:cNvPicPr>
+          <p:nvPr/>
+        </p:nvPicPr>
+        <p:blipFill>
+          <a:blip r:embed="rId4"/>
+          <a:stretch>
+            <a:fillRect/>
+          </a:stretch>
+        </p:blipFill>
+        <p:spPr>
+          <a:xfrm>
+            <a:off x="6637398" y="465992"/>
+            <a:ext cx="5085290" cy="5926016"/>
+          </a:xfrm>
+          <a:prstGeom prst="rect">
+            <a:avLst/>
+          </a:prstGeom>
+        </p:spPr>
+      </p:pic>
+      <p:pic>
+        <p:nvPicPr>
+          <p:cNvPr id="6" name="Picture 5">
+            <a:extLst>
+              <a:ext uri="{FF2B5EF4-FFF2-40B4-BE49-F238E27FC236}">
+                <a16:creationId xmlns:a16="http://schemas.microsoft.com/office/drawing/2014/main" id="{1872A9AF-205C-4C67-A753-5A9E4F9E8C67}"/>
+              </a:ext>
+            </a:extLst>
+          </p:cNvPr>
+          <p:cNvPicPr>
+            <a:picLocks noChangeAspect="1"/>
+          </p:cNvPicPr>
+          <p:nvPr/>
+        </p:nvPicPr>
+        <p:blipFill>
+          <a:blip r:embed="rId5"/>
+          <a:stretch>
+            <a:fillRect/>
+          </a:stretch>
+        </p:blipFill>
+        <p:spPr>
+          <a:xfrm>
+            <a:off x="469312" y="483578"/>
+            <a:ext cx="6168086" cy="5908430"/>
+          </a:xfrm>
+          <a:prstGeom prst="rect">
+            <a:avLst/>
+          </a:prstGeom>
+        </p:spPr>
+      </p:pic>
+    </p:spTree>
+    <p:extLst>
+      <p:ext uri="{BB962C8B-B14F-4D97-AF65-F5344CB8AC3E}">
+        <p14:creationId xmlns:p14="http://schemas.microsoft.com/office/powerpoint/2010/main" val="3279702199"/>
+      </p:ext>
+    </p:extLst>
+  </p:cSld>
+  <p:clrMapOvr>
+    <a:masterClrMapping/>
+  </p:clrMapOvr>
+</p:sld>
+</file>
+
+<file path=ppt/slides/slide24.xml><?xml version="1.0" encoding="utf-8"?>
+<p:sld xmlns:a="http://schemas.openxmlformats.org/drawingml/2006/main" xmlns:r="http://schemas.openxmlformats.org/officeDocument/2006/relationships" xmlns:p="http://schemas.openxmlformats.org/presentationml/2006/main">
+  <p:cSld>
+    <p:bg>
+      <p:bgPr>
+        <a:solidFill>
+          <a:schemeClr val="accent1">
+            <a:lumMod val="40000"/>
+            <a:lumOff val="60000"/>
+          </a:schemeClr>
+        </a:solidFill>
+        <a:effectLst/>
+      </p:bgPr>
+    </p:bg>
+    <p:spTree>
+      <p:nvGrpSpPr>
+        <p:cNvPr id="1" name=""/>
+        <p:cNvGrpSpPr/>
+        <p:nvPr/>
+      </p:nvGrpSpPr>
+      <p:grpSpPr>
+        <a:xfrm>
+          <a:off x="0" y="0"/>
+          <a:ext cx="0" cy="0"/>
+          <a:chOff x="0" y="0"/>
+          <a:chExt cx="0" cy="0"/>
+        </a:xfrm>
+      </p:grpSpPr>
+      <p:pic>
+        <p:nvPicPr>
+          <p:cNvPr id="10" name="Picture 9">
+            <a:extLst>
+              <a:ext uri="{FF2B5EF4-FFF2-40B4-BE49-F238E27FC236}">
+                <a16:creationId xmlns:a16="http://schemas.microsoft.com/office/drawing/2014/main" id="{C1AACFD2-F90E-424C-80A5-3DCA03E8E272}"/>
+              </a:ext>
+            </a:extLst>
+          </p:cNvPr>
+          <p:cNvPicPr>
+            <a:picLocks noChangeAspect="1"/>
+          </p:cNvPicPr>
+          <p:nvPr/>
+        </p:nvPicPr>
+        <p:blipFill>
+          <a:blip r:embed="rId2"/>
+          <a:stretch>
+            <a:fillRect/>
+          </a:stretch>
+        </p:blipFill>
+        <p:spPr>
+          <a:xfrm>
+            <a:off x="203200" y="429455"/>
+            <a:ext cx="11744960" cy="6265985"/>
+          </a:xfrm>
+          <a:prstGeom prst="rect">
+            <a:avLst/>
+          </a:prstGeom>
+        </p:spPr>
+      </p:pic>
+      <p:sp>
+        <p:nvSpPr>
+          <p:cNvPr id="4" name="Slide Number Placeholder 3">
+            <a:extLst>
+              <a:ext uri="{FF2B5EF4-FFF2-40B4-BE49-F238E27FC236}">
+                <a16:creationId xmlns:a16="http://schemas.microsoft.com/office/drawing/2014/main" id="{C3BE488E-5B81-43F4-B383-84A26F80168B}"/>
+              </a:ext>
+            </a:extLst>
+          </p:cNvPr>
+          <p:cNvSpPr>
+            <a:spLocks noGrp="1"/>
+          </p:cNvSpPr>
+          <p:nvPr>
+            <p:ph type="sldNum" sz="quarter" idx="12"/>
+          </p:nvPr>
+        </p:nvSpPr>
+        <p:spPr>
+          <a:xfrm>
+            <a:off x="10458047" y="-108717"/>
+            <a:ext cx="602675" cy="557125"/>
+          </a:xfrm>
+        </p:spPr>
+        <p:txBody>
+          <a:bodyPr/>
+          <a:lstStyle/>
+          <a:p>
+            <a:fld id="{BFDB0D58-5588-4192-AAFD-61E16FB7490D}" type="slidenum">
+              <a:rPr lang="en-IN" smtClean="0"/>
+              <a:t>24</a:t>
+            </a:fld>
+            <a:endParaRPr lang="en-IN" dirty="0"/>
+          </a:p>
+        </p:txBody>
+      </p:sp>
+    </p:spTree>
+    <p:extLst>
+      <p:ext uri="{BB962C8B-B14F-4D97-AF65-F5344CB8AC3E}">
+        <p14:creationId xmlns:p14="http://schemas.microsoft.com/office/powerpoint/2010/main" val="3075667041"/>
+      </p:ext>
+    </p:extLst>
+  </p:cSld>
+  <p:clrMapOvr>
+    <a:masterClrMapping/>
+  </p:clrMapOvr>
+</p:sld>
+</file>
+
+<file path=ppt/slides/slide25.xml><?xml version="1.0" encoding="utf-8"?>
 <p:sld xmlns:a="http://schemas.openxmlformats.org/drawingml/2006/main" xmlns:r="http://schemas.openxmlformats.org/officeDocument/2006/relationships" xmlns:p="http://schemas.openxmlformats.org/presentationml/2006/main">
   <p:cSld>
     <p:spTree>
@@ -16653,7 +19308,7 @@
           <a:p>
             <a:fld id="{BFDB0D58-5588-4192-AAFD-61E16FB7490D}" type="slidenum">
               <a:rPr lang="en-IN" smtClean="0"/>
-              <a:t>15</a:t>
+              <a:t>25</a:t>
             </a:fld>
             <a:endParaRPr lang="en-IN"/>
           </a:p>
@@ -16663,244 +19318,6 @@
     <p:extLst>
       <p:ext uri="{BB962C8B-B14F-4D97-AF65-F5344CB8AC3E}">
         <p14:creationId xmlns:p14="http://schemas.microsoft.com/office/powerpoint/2010/main" val="94020842"/>
-      </p:ext>
-    </p:extLst>
-  </p:cSld>
-  <p:clrMapOvr>
-    <a:masterClrMapping/>
-  </p:clrMapOvr>
-</p:sld>
-</file>
-
-<file path=ppt/slides/slide2.xml><?xml version="1.0" encoding="utf-8"?>
-<p:sld xmlns:a="http://schemas.openxmlformats.org/drawingml/2006/main" xmlns:r="http://schemas.openxmlformats.org/officeDocument/2006/relationships" xmlns:p="http://schemas.openxmlformats.org/presentationml/2006/main">
-  <p:cSld>
-    <p:spTree>
-      <p:nvGrpSpPr>
-        <p:cNvPr id="1" name=""/>
-        <p:cNvGrpSpPr/>
-        <p:nvPr/>
-      </p:nvGrpSpPr>
-      <p:grpSpPr>
-        <a:xfrm>
-          <a:off x="0" y="0"/>
-          <a:ext cx="0" cy="0"/>
-          <a:chOff x="0" y="0"/>
-          <a:chExt cx="0" cy="0"/>
-        </a:xfrm>
-      </p:grpSpPr>
-      <p:sp>
-        <p:nvSpPr>
-          <p:cNvPr id="2" name="TextBox 1">
-            <a:extLst>
-              <a:ext uri="{FF2B5EF4-FFF2-40B4-BE49-F238E27FC236}">
-                <a16:creationId xmlns:a16="http://schemas.microsoft.com/office/drawing/2014/main" id="{12BAD5AF-0CA1-4C69-A832-968A495DE8BC}"/>
-              </a:ext>
-            </a:extLst>
-          </p:cNvPr>
-          <p:cNvSpPr txBox="1"/>
-          <p:nvPr/>
-        </p:nvSpPr>
-        <p:spPr>
-          <a:xfrm>
-            <a:off x="712177" y="800100"/>
-            <a:ext cx="5591908" cy="707886"/>
-          </a:xfrm>
-          <a:prstGeom prst="rect">
-            <a:avLst/>
-          </a:prstGeom>
-          <a:noFill/>
-        </p:spPr>
-        <p:txBody>
-          <a:bodyPr wrap="square" rtlCol="0">
-            <a:spAutoFit/>
-          </a:bodyPr>
-          <a:lstStyle/>
-          <a:p>
-            <a:r>
-              <a:rPr lang="en-IN" sz="4000" dirty="0">
-                <a:latin typeface="Arial Black" panose="020B0A04020102020204" pitchFamily="34" charset="0"/>
-              </a:rPr>
-              <a:t>Team Members</a:t>
-            </a:r>
-          </a:p>
-        </p:txBody>
-      </p:sp>
-      <p:sp>
-        <p:nvSpPr>
-          <p:cNvPr id="5" name="TextBox 4">
-            <a:extLst>
-              <a:ext uri="{FF2B5EF4-FFF2-40B4-BE49-F238E27FC236}">
-                <a16:creationId xmlns:a16="http://schemas.microsoft.com/office/drawing/2014/main" id="{FB4B1D9B-C1A4-422A-9165-CD50CB304A96}"/>
-              </a:ext>
-            </a:extLst>
-          </p:cNvPr>
-          <p:cNvSpPr txBox="1"/>
-          <p:nvPr/>
-        </p:nvSpPr>
-        <p:spPr>
-          <a:xfrm>
-            <a:off x="712177" y="1784839"/>
-            <a:ext cx="8458200" cy="1815882"/>
-          </a:xfrm>
-          <a:prstGeom prst="rect">
-            <a:avLst/>
-          </a:prstGeom>
-          <a:noFill/>
-        </p:spPr>
-        <p:txBody>
-          <a:bodyPr wrap="square" rtlCol="0">
-            <a:spAutoFit/>
-          </a:bodyPr>
-          <a:lstStyle/>
-          <a:p>
-            <a:r>
-              <a:rPr lang="en-IN" sz="2800" dirty="0"/>
-              <a:t>19BAI10013                      Rahul Raj Pandey </a:t>
-            </a:r>
-          </a:p>
-          <a:p>
-            <a:r>
-              <a:rPr lang="en-IN" sz="2800" dirty="0"/>
-              <a:t>19BAI10105                      Rahul Bhardwaj</a:t>
-            </a:r>
-          </a:p>
-          <a:p>
-            <a:r>
-              <a:rPr lang="en-IN" sz="2800" dirty="0"/>
-              <a:t>19BAI10119                      Sidhya Virya Singh</a:t>
-            </a:r>
-          </a:p>
-          <a:p>
-            <a:r>
-              <a:rPr lang="en-IN" sz="2800" dirty="0"/>
-              <a:t>19BAI10121                      Siddhartha S. Mukherjee</a:t>
-            </a:r>
-          </a:p>
-        </p:txBody>
-      </p:sp>
-      <p:sp>
-        <p:nvSpPr>
-          <p:cNvPr id="6" name="TextBox 5">
-            <a:extLst>
-              <a:ext uri="{FF2B5EF4-FFF2-40B4-BE49-F238E27FC236}">
-                <a16:creationId xmlns:a16="http://schemas.microsoft.com/office/drawing/2014/main" id="{4653FFC4-DFE4-4EEF-8C1C-9BCDE65C7554}"/>
-              </a:ext>
-            </a:extLst>
-          </p:cNvPr>
-          <p:cNvSpPr txBox="1"/>
-          <p:nvPr/>
-        </p:nvSpPr>
-        <p:spPr>
-          <a:xfrm>
-            <a:off x="712177" y="4466492"/>
-            <a:ext cx="4545623" cy="646331"/>
-          </a:xfrm>
-          <a:prstGeom prst="rect">
-            <a:avLst/>
-          </a:prstGeom>
-          <a:noFill/>
-        </p:spPr>
-        <p:txBody>
-          <a:bodyPr wrap="square" rtlCol="0">
-            <a:spAutoFit/>
-          </a:bodyPr>
-          <a:lstStyle/>
-          <a:p>
-            <a:r>
-              <a:rPr lang="en-IN" sz="3600" b="1" dirty="0">
-                <a:latin typeface="Arial Black" panose="020B0A04020102020204" pitchFamily="34" charset="0"/>
-              </a:rPr>
-              <a:t>Project Guide</a:t>
-            </a:r>
-          </a:p>
-        </p:txBody>
-      </p:sp>
-      <p:sp>
-        <p:nvSpPr>
-          <p:cNvPr id="7" name="TextBox 6">
-            <a:extLst>
-              <a:ext uri="{FF2B5EF4-FFF2-40B4-BE49-F238E27FC236}">
-                <a16:creationId xmlns:a16="http://schemas.microsoft.com/office/drawing/2014/main" id="{DE6E9BE7-D59C-473F-BBAF-C15C7C213CD0}"/>
-              </a:ext>
-            </a:extLst>
-          </p:cNvPr>
-          <p:cNvSpPr txBox="1"/>
-          <p:nvPr/>
-        </p:nvSpPr>
-        <p:spPr>
-          <a:xfrm>
-            <a:off x="993531" y="5563095"/>
-            <a:ext cx="8176846" cy="830997"/>
-          </a:xfrm>
-          <a:prstGeom prst="rect">
-            <a:avLst/>
-          </a:prstGeom>
-          <a:noFill/>
-        </p:spPr>
-        <p:txBody>
-          <a:bodyPr wrap="square" rtlCol="0">
-            <a:spAutoFit/>
-          </a:bodyPr>
-          <a:lstStyle/>
-          <a:p>
-            <a:r>
-              <a:rPr lang="en-IN" sz="2400" b="1" i="0" dirty="0">
-                <a:effectLst/>
-                <a:latin typeface="Segoe UI" panose="020B0502040204020203" pitchFamily="34" charset="0"/>
-              </a:rPr>
-              <a:t>100215                                 </a:t>
-            </a:r>
-            <a:r>
-              <a:rPr lang="en-IN" sz="2400" b="1" dirty="0"/>
-              <a:t>Dr. L Shakeera</a:t>
-            </a:r>
-          </a:p>
-          <a:p>
-            <a:r>
-              <a:rPr lang="en-IN" sz="2400" b="1" dirty="0"/>
-              <a:t>                                             </a:t>
-            </a:r>
-            <a:r>
-              <a:rPr lang="en-IN" sz="2000" dirty="0"/>
-              <a:t>Senior Assistant Professor, SCSE</a:t>
-            </a:r>
-          </a:p>
-        </p:txBody>
-      </p:sp>
-      <p:sp>
-        <p:nvSpPr>
-          <p:cNvPr id="3" name="Slide Number Placeholder 2">
-            <a:extLst>
-              <a:ext uri="{FF2B5EF4-FFF2-40B4-BE49-F238E27FC236}">
-                <a16:creationId xmlns:a16="http://schemas.microsoft.com/office/drawing/2014/main" id="{285849BB-2C53-47A8-9802-288756DE6ADE}"/>
-              </a:ext>
-            </a:extLst>
-          </p:cNvPr>
-          <p:cNvSpPr>
-            <a:spLocks noGrp="1"/>
-          </p:cNvSpPr>
-          <p:nvPr>
-            <p:ph type="sldNum" sz="quarter" idx="12"/>
-          </p:nvPr>
-        </p:nvSpPr>
-        <p:spPr/>
-        <p:txBody>
-          <a:bodyPr/>
-          <a:lstStyle/>
-          <a:p>
-            <a:fld id="{BFDB0D58-5588-4192-AAFD-61E16FB7490D}" type="slidenum">
-              <a:rPr lang="en-IN" smtClean="0"/>
-              <a:t>2</a:t>
-            </a:fld>
-            <a:endParaRPr lang="en-IN"/>
-          </a:p>
-        </p:txBody>
-      </p:sp>
-    </p:spTree>
-    <p:extLst>
-      <p:ext uri="{BB962C8B-B14F-4D97-AF65-F5344CB8AC3E}">
-        <p14:creationId xmlns:p14="http://schemas.microsoft.com/office/powerpoint/2010/main" val="2495593950"/>
       </p:ext>
     </p:extLst>
   </p:cSld>

--- a/Analysis and prediction of breast cancer using ml .pptx
+++ b/Analysis and prediction of breast cancer using ml .pptx
@@ -221,7 +221,7 @@
           <a:p>
             <a:fld id="{2FEE9277-4D81-4A79-ABE9-72958688A712}" type="datetimeFigureOut">
               <a:rPr lang="en-IN" smtClean="0"/>
-              <a:t>04-10-2020</a:t>
+              <a:t>05-10-2020</a:t>
             </a:fld>
             <a:endParaRPr lang="en-IN"/>
           </a:p>
@@ -824,7 +824,7 @@
           <a:p>
             <a:fld id="{835A83B9-D949-4B7D-B921-1F54FB515E94}" type="datetime1">
               <a:rPr lang="en-IN" smtClean="0"/>
-              <a:t>04-10-2020</a:t>
+              <a:t>05-10-2020</a:t>
             </a:fld>
             <a:endParaRPr lang="en-IN"/>
           </a:p>
@@ -1912,7 +1912,7 @@
           <a:p>
             <a:fld id="{0DAD2E62-1AEC-4EE7-897D-DFE6336119B0}" type="datetime1">
               <a:rPr lang="en-IN" smtClean="0"/>
-              <a:t>04-10-2020</a:t>
+              <a:t>05-10-2020</a:t>
             </a:fld>
             <a:endParaRPr lang="en-IN"/>
           </a:p>
@@ -2892,7 +2892,7 @@
           <a:p>
             <a:fld id="{4A3F4C3B-D042-4356-8E45-2B1BE12A8490}" type="datetime1">
               <a:rPr lang="en-IN" smtClean="0"/>
-              <a:t>04-10-2020</a:t>
+              <a:t>05-10-2020</a:t>
             </a:fld>
             <a:endParaRPr lang="en-IN"/>
           </a:p>
@@ -4026,7 +4026,7 @@
           <a:p>
             <a:fld id="{96EE96A9-3ED0-451C-AA3F-7F8CDEE430F0}" type="datetime1">
               <a:rPr lang="en-IN" smtClean="0"/>
-              <a:t>04-10-2020</a:t>
+              <a:t>05-10-2020</a:t>
             </a:fld>
             <a:endParaRPr lang="en-IN"/>
           </a:p>
@@ -5059,7 +5059,7 @@
           <a:p>
             <a:fld id="{C93061A8-2C44-4B56-BA84-510654455B64}" type="datetime1">
               <a:rPr lang="en-IN" smtClean="0"/>
-              <a:t>04-10-2020</a:t>
+              <a:t>05-10-2020</a:t>
             </a:fld>
             <a:endParaRPr lang="en-IN"/>
           </a:p>
@@ -5719,7 +5719,7 @@
           <a:p>
             <a:fld id="{06A752F0-F7CC-4A50-BA4A-0D43644CFB64}" type="datetime1">
               <a:rPr lang="en-IN" smtClean="0"/>
-              <a:t>04-10-2020</a:t>
+              <a:t>05-10-2020</a:t>
             </a:fld>
             <a:endParaRPr lang="en-IN"/>
           </a:p>
@@ -6580,7 +6580,7 @@
           <a:p>
             <a:fld id="{A55ED125-D8B3-4C2C-9087-28CD4504D31F}" type="datetime1">
               <a:rPr lang="en-IN" smtClean="0"/>
-              <a:t>04-10-2020</a:t>
+              <a:t>05-10-2020</a:t>
             </a:fld>
             <a:endParaRPr lang="en-IN"/>
           </a:p>
@@ -6770,7 +6770,7 @@
           <a:p>
             <a:fld id="{14248556-9A90-4491-B0EF-50D23653D4F7}" type="datetime1">
               <a:rPr lang="en-IN" smtClean="0"/>
-              <a:t>04-10-2020</a:t>
+              <a:t>05-10-2020</a:t>
             </a:fld>
             <a:endParaRPr lang="en-IN"/>
           </a:p>
@@ -7742,7 +7742,7 @@
           <a:p>
             <a:fld id="{8CD47421-9EFE-4D3C-BCF5-8E18794F9A0D}" type="datetime1">
               <a:rPr lang="en-IN" smtClean="0"/>
-              <a:t>04-10-2020</a:t>
+              <a:t>05-10-2020</a:t>
             </a:fld>
             <a:endParaRPr lang="en-IN"/>
           </a:p>
@@ -7953,7 +7953,7 @@
           <a:p>
             <a:fld id="{A8458A22-1586-4B81-8EC5-4B2439AC5560}" type="datetime1">
               <a:rPr lang="en-IN" smtClean="0"/>
-              <a:t>04-10-2020</a:t>
+              <a:t>05-10-2020</a:t>
             </a:fld>
             <a:endParaRPr lang="en-IN"/>
           </a:p>
@@ -8987,7 +8987,7 @@
           <a:p>
             <a:fld id="{91BC2FB2-C4CE-4500-B60A-A242AA6D62C6}" type="datetime1">
               <a:rPr lang="en-IN" smtClean="0"/>
-              <a:t>04-10-2020</a:t>
+              <a:t>05-10-2020</a:t>
             </a:fld>
             <a:endParaRPr lang="en-IN"/>
           </a:p>
@@ -9259,7 +9259,7 @@
           <a:p>
             <a:fld id="{D2831179-DD1E-423A-B7E2-2EB19664954A}" type="datetime1">
               <a:rPr lang="en-IN" smtClean="0"/>
-              <a:t>04-10-2020</a:t>
+              <a:t>05-10-2020</a:t>
             </a:fld>
             <a:endParaRPr lang="en-IN"/>
           </a:p>
@@ -9674,7 +9674,7 @@
           <a:p>
             <a:fld id="{7A740EAA-AC74-4ABC-86F6-046DA20E72C1}" type="datetime1">
               <a:rPr lang="en-IN" smtClean="0"/>
-              <a:t>04-10-2020</a:t>
+              <a:t>05-10-2020</a:t>
             </a:fld>
             <a:endParaRPr lang="en-IN"/>
           </a:p>
@@ -9806,7 +9806,7 @@
           <a:p>
             <a:fld id="{397EBD95-076F-4AF4-90F1-20BBF153176E}" type="datetime1">
               <a:rPr lang="en-IN" smtClean="0"/>
-              <a:t>04-10-2020</a:t>
+              <a:t>05-10-2020</a:t>
             </a:fld>
             <a:endParaRPr lang="en-IN"/>
           </a:p>
@@ -9901,7 +9901,7 @@
           <a:p>
             <a:fld id="{BB222637-36B5-4E6F-A79F-78062BA67B3E}" type="datetime1">
               <a:rPr lang="en-IN" smtClean="0"/>
-              <a:t>04-10-2020</a:t>
+              <a:t>05-10-2020</a:t>
             </a:fld>
             <a:endParaRPr lang="en-IN"/>
           </a:p>
@@ -10982,7 +10982,7 @@
           <a:p>
             <a:fld id="{4723143F-210F-44AD-94EA-3D01D067A1DE}" type="datetime1">
               <a:rPr lang="en-IN" smtClean="0"/>
-              <a:t>04-10-2020</a:t>
+              <a:t>05-10-2020</a:t>
             </a:fld>
             <a:endParaRPr lang="en-IN"/>
           </a:p>
@@ -12095,7 +12095,7 @@
           <a:p>
             <a:fld id="{30A1C440-515D-4DAF-B689-8728E71F2198}" type="datetime1">
               <a:rPr lang="en-IN" smtClean="0"/>
-              <a:t>04-10-2020</a:t>
+              <a:t>05-10-2020</a:t>
             </a:fld>
             <a:endParaRPr lang="en-IN"/>
           </a:p>
@@ -13092,7 +13092,7 @@
           <a:p>
             <a:fld id="{81AED2A7-CE36-43AE-9254-207297AA9E7E}" type="datetime1">
               <a:rPr lang="en-IN" smtClean="0"/>
-              <a:t>04-10-2020</a:t>
+              <a:t>05-10-2020</a:t>
             </a:fld>
             <a:endParaRPr lang="en-IN"/>
           </a:p>
@@ -18565,7 +18565,7 @@
         </p:blipFill>
         <p:spPr>
           <a:xfrm>
-            <a:off x="193040" y="3683880"/>
+            <a:off x="450732" y="3429000"/>
             <a:ext cx="6035040" cy="2056520"/>
           </a:xfrm>
           <a:prstGeom prst="rect">
@@ -18611,7 +18611,7 @@
         </p:blipFill>
         <p:spPr>
           <a:xfrm>
-            <a:off x="867827" y="5884332"/>
+            <a:off x="848616" y="5740400"/>
             <a:ext cx="6035039" cy="908075"/>
           </a:xfrm>
           <a:prstGeom prst="rect">
